--- a/Getting Started with Web Development in F#.pptx
+++ b/Getting Started with Web Development in F#.pptx
@@ -11,17 +11,16 @@
     <p:sldId id="259" r:id="rId5"/>
     <p:sldId id="260" r:id="rId6"/>
     <p:sldId id="261" r:id="rId7"/>
-    <p:sldId id="262" r:id="rId8"/>
-    <p:sldId id="263" r:id="rId9"/>
-    <p:sldId id="264" r:id="rId10"/>
-    <p:sldId id="265" r:id="rId11"/>
-    <p:sldId id="266" r:id="rId12"/>
-    <p:sldId id="267" r:id="rId13"/>
-    <p:sldId id="268" r:id="rId14"/>
-    <p:sldId id="269" r:id="rId15"/>
-    <p:sldId id="270" r:id="rId16"/>
-    <p:sldId id="271" r:id="rId17"/>
-    <p:sldId id="272" r:id="rId18"/>
+    <p:sldId id="273" r:id="rId8"/>
+    <p:sldId id="274" r:id="rId9"/>
+    <p:sldId id="275" r:id="rId10"/>
+    <p:sldId id="266" r:id="rId11"/>
+    <p:sldId id="267" r:id="rId12"/>
+    <p:sldId id="276" r:id="rId13"/>
+    <p:sldId id="277" r:id="rId14"/>
+    <p:sldId id="270" r:id="rId15"/>
+    <p:sldId id="271" r:id="rId16"/>
+    <p:sldId id="272" r:id="rId17"/>
   </p:sldIdLst>
   <p:sldSz cx="9144000" cy="6858000" type="screen4x3"/>
   <p:notesSz cx="6858000" cy="9144000"/>
@@ -2881,7 +2880,7 @@
             <a:fld id="{0A98AF03-7270-45C2-A683-C5E353EF01A5}" type="datetime4">
               <a:rPr lang="en-US" smtClean="0"/>
               <a:pPr/>
-              <a:t>October 12, 2010</a:t>
+              <a:t>October 13, 2010</a:t>
             </a:fld>
             <a:endParaRPr lang="en-US" dirty="0"/>
           </a:p>
@@ -3168,7 +3167,7 @@
             <a:fld id="{A2FB5AFD-D735-4504-A039-ADEBB6448D55}" type="datetime4">
               <a:rPr lang="en-US" smtClean="0"/>
               <a:pPr/>
-              <a:t>October 12, 2010</a:t>
+              <a:t>October 13, 2010</a:t>
             </a:fld>
             <a:endParaRPr lang="en-US"/>
           </a:p>
@@ -3345,7 +3344,7 @@
             <a:fld id="{AB5C8118-FB93-4E87-B380-0175F2FE2167}" type="datetime4">
               <a:rPr lang="en-US" smtClean="0"/>
               <a:pPr/>
-              <a:t>October 12, 2010</a:t>
+              <a:t>October 13, 2010</a:t>
             </a:fld>
             <a:endParaRPr lang="en-US"/>
           </a:p>
@@ -3512,7 +3511,7 @@
             <a:fld id="{05A93482-8E69-40F7-BCAD-5662A6CADB27}" type="datetime4">
               <a:rPr lang="en-US" smtClean="0"/>
               <a:pPr/>
-              <a:t>October 12, 2010</a:t>
+              <a:t>October 13, 2010</a:t>
             </a:fld>
             <a:endParaRPr lang="en-US"/>
           </a:p>
@@ -3755,7 +3754,7 @@
             <a:fld id="{FBB7EAE1-CAAC-4AEF-919E-158692B1E55E}" type="datetime4">
               <a:rPr lang="en-US" smtClean="0"/>
               <a:pPr/>
-              <a:t>October 12, 2010</a:t>
+              <a:t>October 13, 2010</a:t>
             </a:fld>
             <a:endParaRPr lang="en-US"/>
           </a:p>
@@ -3870,7 +3869,7 @@
             <a:fld id="{9525A706-D8F2-4D1A-855A-CADC92600C26}" type="datetime4">
               <a:rPr lang="en-US" smtClean="0"/>
               <a:pPr/>
-              <a:t>October 12, 2010</a:t>
+              <a:t>October 13, 2010</a:t>
             </a:fld>
             <a:endParaRPr lang="en-US"/>
           </a:p>
@@ -4411,7 +4410,7 @@
             <a:fld id="{99B4F123-1704-49AC-9D15-C4B1462B8014}" type="datetime4">
               <a:rPr lang="en-US" smtClean="0"/>
               <a:pPr/>
-              <a:t>October 12, 2010</a:t>
+              <a:t>October 13, 2010</a:t>
             </a:fld>
             <a:endParaRPr lang="en-US"/>
           </a:p>
@@ -4526,7 +4525,7 @@
             <a:fld id="{E3127EC2-47FB-48A1-8644-C8A81DDAA119}" type="datetime4">
               <a:rPr lang="en-US" smtClean="0"/>
               <a:pPr/>
-              <a:t>October 12, 2010</a:t>
+              <a:t>October 13, 2010</a:t>
             </a:fld>
             <a:endParaRPr lang="en-US"/>
           </a:p>
@@ -4618,7 +4617,7 @@
             <a:fld id="{AE3EC3ED-7435-49F9-84C8-03CCA2F8DEDB}" type="datetime4">
               <a:rPr lang="en-US" smtClean="0"/>
               <a:pPr/>
-              <a:t>October 12, 2010</a:t>
+              <a:t>October 13, 2010</a:t>
             </a:fld>
             <a:endParaRPr lang="en-US"/>
           </a:p>
@@ -7271,7 +7270,7 @@
             <a:fld id="{3FC49BF1-FCD3-4395-8FF6-0047AF66228E}" type="datetime4">
               <a:rPr lang="en-US" smtClean="0"/>
               <a:pPr/>
-              <a:t>October 12, 2010</a:t>
+              <a:t>October 13, 2010</a:t>
             </a:fld>
             <a:endParaRPr lang="en-US"/>
           </a:p>
@@ -10485,7 +10484,7 @@
             <a:fld id="{CA861222-2C8B-4501-BE87-6797EC025925}" type="datetime4">
               <a:rPr lang="en-US" smtClean="0"/>
               <a:pPr/>
-              <a:t>October 12, 2010</a:t>
+              <a:t>October 13, 2010</a:t>
             </a:fld>
             <a:endParaRPr lang="en-US"/>
           </a:p>
@@ -13309,7 +13308,7 @@
             <a:fld id="{16C01193-8287-4834-A286-6B880643E934}" type="datetime4">
               <a:rPr lang="en-US" smtClean="0"/>
               <a:pPr/>
-              <a:t>October 12, 2010</a:t>
+              <a:t>October 13, 2010</a:t>
             </a:fld>
             <a:endParaRPr lang="en-US"/>
           </a:p>
@@ -13831,7 +13830,7 @@
             <a:fld id="{0A98AF03-7270-45C2-A683-C5E353EF01A5}" type="datetime4">
               <a:rPr lang="en-US" smtClean="0"/>
               <a:pPr/>
-              <a:t>October 12, 2010</a:t>
+              <a:t>October 13, 2010</a:t>
             </a:fld>
             <a:endParaRPr lang="en-US" dirty="0"/>
           </a:p>
@@ -13922,7 +13921,9 @@
         </p:nvSpPr>
         <p:spPr/>
         <p:txBody>
-          <a:bodyPr/>
+          <a:bodyPr>
+            <a:normAutofit/>
+          </a:bodyPr>
           <a:lstStyle/>
           <a:p>
             <a:r>
@@ -13933,7 +13934,7 @@
                   </a:schemeClr>
                 </a:solidFill>
               </a:rPr>
-              <a:t>Whitespace Matters</a:t>
+              <a:t>F#/C# Silverlight Example</a:t>
             </a:r>
             <a:endParaRPr lang="en-US" dirty="0"/>
           </a:p>
@@ -13960,35 +13961,11 @@
               <a:buNone/>
             </a:pPr>
             <a:r>
-              <a:rPr lang="en-US" dirty="0" smtClean="0"/>
-              <a:t>let </a:t>
-            </a:r>
-            <a:r>
-              <a:rPr lang="en-US" dirty="0" err="1" smtClean="0"/>
-              <a:t>myFunction</a:t>
-            </a:r>
-            <a:r>
-              <a:rPr lang="en-US" dirty="0" smtClean="0"/>
-              <a:t> x = </a:t>
-            </a:r>
-          </a:p>
-          <a:p>
-            <a:pPr marL="68580" indent="0">
-              <a:buNone/>
-            </a:pPr>
-            <a:r>
-              <a:rPr lang="en-US" dirty="0"/>
-              <a:t> </a:t>
-            </a:r>
-            <a:r>
-              <a:rPr lang="en-US" dirty="0" smtClean="0"/>
-              <a:t>   x + x</a:t>
-            </a:r>
-          </a:p>
-          <a:p>
-            <a:pPr marL="68580" indent="0">
-              <a:buNone/>
-            </a:pPr>
+              <a:rPr lang="en-US" dirty="0">
+                <a:hlinkClick r:id="rId2"/>
+              </a:rPr>
+              <a:t>http://visualstudiogallery.msdn.microsoft.com/en-us/64f3d710-04c1-42d2-9e5d-4e20a19a7666</a:t>
+            </a:r>
             <a:endParaRPr lang="en-US" dirty="0" smtClean="0"/>
           </a:p>
         </p:txBody>
@@ -14011,7 +13988,7 @@
             <a:fld id="{05A93482-8E69-40F7-BCAD-5662A6CADB27}" type="datetime4">
               <a:rPr lang="en-US" smtClean="0"/>
               <a:pPr/>
-              <a:t>October 12, 2010</a:t>
+              <a:t>October 13, 2010</a:t>
             </a:fld>
             <a:endParaRPr lang="en-US"/>
           </a:p>
@@ -14063,7 +14040,7 @@
     </p:spTree>
     <p:extLst>
       <p:ext uri="{BB962C8B-B14F-4D97-AF65-F5344CB8AC3E}">
-        <p14:creationId xmlns:p14="http://schemas.microsoft.com/office/powerpoint/2010/main" val="14829898"/>
+        <p14:creationId xmlns:p14="http://schemas.microsoft.com/office/powerpoint/2010/main" val="1898667400"/>
       </p:ext>
     </p:extLst>
   </p:cSld>
@@ -14102,9 +14079,7 @@
         </p:nvSpPr>
         <p:spPr/>
         <p:txBody>
-          <a:bodyPr>
-            <a:normAutofit/>
-          </a:bodyPr>
+          <a:bodyPr/>
           <a:lstStyle/>
           <a:p>
             <a:r>
@@ -14115,7 +14090,7 @@
                   </a:schemeClr>
                 </a:solidFill>
               </a:rPr>
-              <a:t>F#/C# Silverlight Example</a:t>
+              <a:t>F# Silverlight Example</a:t>
             </a:r>
             <a:endParaRPr lang="en-US" dirty="0"/>
           </a:p>
@@ -14145,7 +14120,7 @@
               <a:rPr lang="en-US" dirty="0">
                 <a:hlinkClick r:id="rId2"/>
               </a:rPr>
-              <a:t>http://visualstudiogallery.msdn.microsoft.com/en-us/64f3d710-04c1-42d2-9e5d-4e20a19a7666</a:t>
+              <a:t>http://visualstudiogallery.msdn.microsoft.com/en-us/f0e9a557-3fd6-41d9-8518-c1735b382c73</a:t>
             </a:r>
             <a:endParaRPr lang="en-US" dirty="0" smtClean="0"/>
           </a:p>
@@ -14169,7 +14144,7 @@
             <a:fld id="{05A93482-8E69-40F7-BCAD-5662A6CADB27}" type="datetime4">
               <a:rPr lang="en-US" smtClean="0"/>
               <a:pPr/>
-              <a:t>October 12, 2010</a:t>
+              <a:t>October 13, 2010</a:t>
             </a:fld>
             <a:endParaRPr lang="en-US"/>
           </a:p>
@@ -14221,7 +14196,7 @@
     </p:spTree>
     <p:extLst>
       <p:ext uri="{BB962C8B-B14F-4D97-AF65-F5344CB8AC3E}">
-        <p14:creationId xmlns:p14="http://schemas.microsoft.com/office/powerpoint/2010/main" val="1898667400"/>
+        <p14:creationId xmlns:p14="http://schemas.microsoft.com/office/powerpoint/2010/main" val="1638638283"/>
       </p:ext>
     </p:extLst>
   </p:cSld>
@@ -14260,7 +14235,9 @@
         </p:nvSpPr>
         <p:spPr/>
         <p:txBody>
-          <a:bodyPr/>
+          <a:bodyPr>
+            <a:normAutofit fontScale="90000"/>
+          </a:bodyPr>
           <a:lstStyle/>
           <a:p>
             <a:r>
@@ -14271,7 +14248,17 @@
                   </a:schemeClr>
                 </a:solidFill>
               </a:rPr>
-              <a:t>F# Silverlight Example</a:t>
+              <a:t>F#/C# ASP.NET MVC2 </a:t>
+            </a:r>
+            <a:r>
+              <a:rPr lang="en-US" dirty="0" smtClean="0">
+                <a:solidFill>
+                  <a:schemeClr val="accent5">
+                    <a:lumMod val="50000"/>
+                  </a:schemeClr>
+                </a:solidFill>
+              </a:rPr>
+              <a:t>Example</a:t>
             </a:r>
             <a:endParaRPr lang="en-US" dirty="0"/>
           </a:p>
@@ -14301,7 +14288,7 @@
               <a:rPr lang="en-US" dirty="0">
                 <a:hlinkClick r:id="rId2"/>
               </a:rPr>
-              <a:t>http://visualstudiogallery.msdn.microsoft.com/en-us/f0e9a557-3fd6-41d9-8518-c1735b382c73</a:t>
+              <a:t>http://visualstudiogallery.msdn.microsoft.com/en-us/c36619e5-0d4a-4067-8ced-decd18e834c9</a:t>
             </a:r>
             <a:endParaRPr lang="en-US" dirty="0" smtClean="0"/>
           </a:p>
@@ -14325,7 +14312,7 @@
             <a:fld id="{05A93482-8E69-40F7-BCAD-5662A6CADB27}" type="datetime4">
               <a:rPr lang="en-US" smtClean="0"/>
               <a:pPr/>
-              <a:t>October 12, 2010</a:t>
+              <a:t>October 13, 2010</a:t>
             </a:fld>
             <a:endParaRPr lang="en-US"/>
           </a:p>
@@ -14377,7 +14364,7 @@
     </p:spTree>
     <p:extLst>
       <p:ext uri="{BB962C8B-B14F-4D97-AF65-F5344CB8AC3E}">
-        <p14:creationId xmlns:p14="http://schemas.microsoft.com/office/powerpoint/2010/main" val="1638638283"/>
+        <p14:creationId xmlns:p14="http://schemas.microsoft.com/office/powerpoint/2010/main" val="867532369"/>
       </p:ext>
     </p:extLst>
   </p:cSld>
@@ -14417,19 +14404,39 @@
         <p:spPr/>
         <p:txBody>
           <a:bodyPr>
-            <a:normAutofit fontScale="90000"/>
+            <a:normAutofit/>
           </a:bodyPr>
           <a:lstStyle/>
           <a:p>
             <a:r>
-              <a:rPr lang="en-US" dirty="0" smtClean="0">
+              <a:rPr lang="en-US" dirty="0" err="1" smtClean="0">
                 <a:solidFill>
                   <a:schemeClr val="accent5">
                     <a:lumMod val="50000"/>
                   </a:schemeClr>
                 </a:solidFill>
               </a:rPr>
-              <a:t>F#/C# ASP.NET MVC 2 Example</a:t>
+              <a:t>WebSharper</a:t>
+            </a:r>
+            <a:r>
+              <a:rPr lang="en-US" dirty="0" smtClean="0">
+                <a:solidFill>
+                  <a:schemeClr val="accent5">
+                    <a:lumMod val="50000"/>
+                  </a:schemeClr>
+                </a:solidFill>
+              </a:rPr>
+              <a:t> </a:t>
+            </a:r>
+            <a:r>
+              <a:rPr lang="en-US" dirty="0" smtClean="0">
+                <a:solidFill>
+                  <a:schemeClr val="accent5">
+                    <a:lumMod val="50000"/>
+                  </a:schemeClr>
+                </a:solidFill>
+              </a:rPr>
+              <a:t>Example</a:t>
             </a:r>
             <a:endParaRPr lang="en-US" dirty="0"/>
           </a:p>
@@ -14455,6 +14462,12 @@
             <a:pPr marL="68580" indent="0">
               <a:buNone/>
             </a:pPr>
+            <a:r>
+              <a:rPr lang="en-US" dirty="0">
+                <a:hlinkClick r:id="rId2"/>
+              </a:rPr>
+              <a:t>http://visualstudiogallery.msdn.microsoft.com/en-us/288b94ea-0ea7-4dde-8906-f72eb22fbe1b</a:t>
+            </a:r>
             <a:endParaRPr lang="en-US" dirty="0" smtClean="0"/>
           </a:p>
         </p:txBody>
@@ -14477,7 +14490,7 @@
             <a:fld id="{05A93482-8E69-40F7-BCAD-5662A6CADB27}" type="datetime4">
               <a:rPr lang="en-US" smtClean="0"/>
               <a:pPr/>
-              <a:t>October 12, 2010</a:t>
+              <a:t>October 13, 2010</a:t>
             </a:fld>
             <a:endParaRPr lang="en-US"/>
           </a:p>
@@ -14529,7 +14542,7 @@
     </p:spTree>
     <p:extLst>
       <p:ext uri="{BB962C8B-B14F-4D97-AF65-F5344CB8AC3E}">
-        <p14:creationId xmlns:p14="http://schemas.microsoft.com/office/powerpoint/2010/main" val="3278888695"/>
+        <p14:creationId xmlns:p14="http://schemas.microsoft.com/office/powerpoint/2010/main" val="1626836029"/>
       </p:ext>
     </p:extLst>
   </p:cSld>
@@ -14574,50 +14587,16 @@
           <a:lstStyle/>
           <a:p>
             <a:r>
-              <a:rPr lang="en-US" dirty="0" err="1" smtClean="0">
+              <a:rPr lang="en-US" dirty="0" smtClean="0">
                 <a:solidFill>
                   <a:schemeClr val="accent5">
                     <a:lumMod val="50000"/>
                   </a:schemeClr>
                 </a:solidFill>
               </a:rPr>
-              <a:t>WebSharper</a:t>
-            </a:r>
-            <a:r>
-              <a:rPr lang="en-US" dirty="0" smtClean="0">
-                <a:solidFill>
-                  <a:schemeClr val="accent5">
-                    <a:lumMod val="50000"/>
-                  </a:schemeClr>
-                </a:solidFill>
-              </a:rPr>
-              <a:t> Example</a:t>
+              <a:t>What Wasn’t Covered?</a:t>
             </a:r>
             <a:endParaRPr lang="en-US" dirty="0"/>
-          </a:p>
-        </p:txBody>
-      </p:sp>
-      <p:sp>
-        <p:nvSpPr>
-          <p:cNvPr id="3" name="Content Placeholder 2"/>
-          <p:cNvSpPr>
-            <a:spLocks noGrp="1"/>
-          </p:cNvSpPr>
-          <p:nvPr>
-            <p:ph idx="1"/>
-          </p:nvPr>
-        </p:nvSpPr>
-        <p:spPr/>
-        <p:txBody>
-          <a:bodyPr>
-            <a:normAutofit/>
-          </a:bodyPr>
-          <a:lstStyle/>
-          <a:p>
-            <a:pPr marL="68580" indent="0">
-              <a:buNone/>
-            </a:pPr>
-            <a:endParaRPr lang="en-US" dirty="0" smtClean="0"/>
           </a:p>
         </p:txBody>
       </p:sp>
@@ -14639,7 +14618,7 @@
             <a:fld id="{05A93482-8E69-40F7-BCAD-5662A6CADB27}" type="datetime4">
               <a:rPr lang="en-US" smtClean="0"/>
               <a:pPr/>
-              <a:t>October 12, 2010</a:t>
+              <a:t>October 13, 2010</a:t>
             </a:fld>
             <a:endParaRPr lang="en-US"/>
           </a:p>
@@ -14688,10 +14667,260 @@
           </a:p>
         </p:txBody>
       </p:sp>
+      <p:sp>
+        <p:nvSpPr>
+          <p:cNvPr id="7" name="Content Placeholder 2"/>
+          <p:cNvSpPr txBox="1">
+            <a:spLocks/>
+          </p:cNvSpPr>
+          <p:nvPr/>
+        </p:nvSpPr>
+        <p:spPr>
+          <a:xfrm>
+            <a:off x="1195892" y="2286000"/>
+            <a:ext cx="6777317" cy="2708429"/>
+          </a:xfrm>
+          <a:prstGeom prst="rect">
+            <a:avLst/>
+          </a:prstGeom>
+        </p:spPr>
+        <p:txBody>
+          <a:bodyPr vert="horz" lIns="91440" tIns="45720" rIns="91440" bIns="45720" rtlCol="0">
+            <a:normAutofit/>
+          </a:bodyPr>
+          <a:lstStyle>
+            <a:lvl1pPr marL="342900" indent="-274320" algn="l" defTabSz="914400" rtl="0" eaLnBrk="1" latinLnBrk="0" hangingPunct="1">
+              <a:spcBef>
+                <a:spcPct val="20000"/>
+              </a:spcBef>
+              <a:buClr>
+                <a:schemeClr val="accent1"/>
+              </a:buClr>
+              <a:buSzPct val="76000"/>
+              <a:buFont typeface="Wingdings 2" pitchFamily="18" charset="2"/>
+              <a:buChar char=""/>
+              <a:defRPr sz="2400" kern="1200">
+                <a:solidFill>
+                  <a:schemeClr val="tx2"/>
+                </a:solidFill>
+                <a:latin typeface="+mn-lt"/>
+                <a:ea typeface="+mn-ea"/>
+                <a:cs typeface="+mn-cs"/>
+              </a:defRPr>
+            </a:lvl1pPr>
+            <a:lvl2pPr marL="640080" indent="-274320" algn="l" defTabSz="914400" rtl="0" eaLnBrk="1" latinLnBrk="0" hangingPunct="1">
+              <a:spcBef>
+                <a:spcPct val="20000"/>
+              </a:spcBef>
+              <a:buClr>
+                <a:schemeClr val="accent1"/>
+              </a:buClr>
+              <a:buSzPct val="76000"/>
+              <a:buFont typeface="Wingdings 2" pitchFamily="18" charset="2"/>
+              <a:buChar char=""/>
+              <a:defRPr sz="2200" kern="1200">
+                <a:solidFill>
+                  <a:schemeClr val="tx2"/>
+                </a:solidFill>
+                <a:latin typeface="+mn-lt"/>
+                <a:ea typeface="+mn-ea"/>
+                <a:cs typeface="+mn-cs"/>
+              </a:defRPr>
+            </a:lvl2pPr>
+            <a:lvl3pPr marL="914400" indent="-228600" algn="l" defTabSz="914400" rtl="0" eaLnBrk="1" latinLnBrk="0" hangingPunct="1">
+              <a:spcBef>
+                <a:spcPct val="20000"/>
+              </a:spcBef>
+              <a:buClr>
+                <a:schemeClr val="accent1"/>
+              </a:buClr>
+              <a:buSzPct val="76000"/>
+              <a:buFont typeface="Wingdings 2" pitchFamily="18" charset="2"/>
+              <a:buChar char=""/>
+              <a:defRPr sz="2000" kern="1200">
+                <a:solidFill>
+                  <a:schemeClr val="tx2"/>
+                </a:solidFill>
+                <a:latin typeface="+mn-lt"/>
+                <a:ea typeface="+mn-ea"/>
+                <a:cs typeface="+mn-cs"/>
+              </a:defRPr>
+            </a:lvl3pPr>
+            <a:lvl4pPr marL="1124712" indent="-228600" algn="l" defTabSz="914400" rtl="0" eaLnBrk="1" latinLnBrk="0" hangingPunct="1">
+              <a:spcBef>
+                <a:spcPct val="20000"/>
+              </a:spcBef>
+              <a:buClr>
+                <a:schemeClr val="accent1"/>
+              </a:buClr>
+              <a:buSzPct val="76000"/>
+              <a:buFont typeface="Wingdings 2" pitchFamily="18" charset="2"/>
+              <a:buChar char=""/>
+              <a:defRPr sz="1800" kern="1200">
+                <a:solidFill>
+                  <a:schemeClr val="tx2"/>
+                </a:solidFill>
+                <a:latin typeface="+mn-lt"/>
+                <a:ea typeface="+mn-ea"/>
+                <a:cs typeface="+mn-cs"/>
+              </a:defRPr>
+            </a:lvl4pPr>
+            <a:lvl5pPr marL="1325880" indent="-228600" algn="l" defTabSz="914400" rtl="0" eaLnBrk="1" latinLnBrk="0" hangingPunct="1">
+              <a:spcBef>
+                <a:spcPct val="20000"/>
+              </a:spcBef>
+              <a:buClr>
+                <a:schemeClr val="accent1"/>
+              </a:buClr>
+              <a:buSzPct val="76000"/>
+              <a:buFont typeface="Wingdings 2" pitchFamily="18" charset="2"/>
+              <a:buChar char=""/>
+              <a:defRPr sz="1600" kern="1200" baseline="0">
+                <a:solidFill>
+                  <a:schemeClr val="tx2"/>
+                </a:solidFill>
+                <a:latin typeface="+mn-lt"/>
+                <a:ea typeface="+mn-ea"/>
+                <a:cs typeface="+mn-cs"/>
+              </a:defRPr>
+            </a:lvl5pPr>
+            <a:lvl6pPr marL="1517904" indent="-228600" algn="l" defTabSz="914400" rtl="0" eaLnBrk="1" latinLnBrk="0" hangingPunct="1">
+              <a:spcBef>
+                <a:spcPct val="20000"/>
+              </a:spcBef>
+              <a:buClr>
+                <a:schemeClr val="accent1"/>
+              </a:buClr>
+              <a:buSzPct val="76000"/>
+              <a:buFont typeface="Wingdings 2" pitchFamily="18" charset="2"/>
+              <a:buChar char=""/>
+              <a:defRPr sz="1400" kern="1200">
+                <a:solidFill>
+                  <a:schemeClr val="tx2"/>
+                </a:solidFill>
+                <a:latin typeface="+mn-lt"/>
+                <a:ea typeface="+mn-ea"/>
+                <a:cs typeface="+mn-cs"/>
+              </a:defRPr>
+            </a:lvl6pPr>
+            <a:lvl7pPr marL="1719072" indent="-228600" algn="l" defTabSz="914400" rtl="0" eaLnBrk="1" latinLnBrk="0" hangingPunct="1">
+              <a:spcBef>
+                <a:spcPct val="20000"/>
+              </a:spcBef>
+              <a:buClr>
+                <a:schemeClr val="accent1"/>
+              </a:buClr>
+              <a:buSzPct val="76000"/>
+              <a:buFont typeface="Wingdings 2" pitchFamily="18" charset="2"/>
+              <a:buChar char=""/>
+              <a:defRPr sz="1400" kern="1200">
+                <a:solidFill>
+                  <a:schemeClr val="tx2"/>
+                </a:solidFill>
+                <a:latin typeface="+mn-lt"/>
+                <a:ea typeface="+mn-ea"/>
+                <a:cs typeface="+mn-cs"/>
+              </a:defRPr>
+            </a:lvl7pPr>
+            <a:lvl8pPr marL="1920240" indent="-228600" algn="l" defTabSz="914400" rtl="0" eaLnBrk="1" latinLnBrk="0" hangingPunct="1">
+              <a:spcBef>
+                <a:spcPct val="20000"/>
+              </a:spcBef>
+              <a:buClr>
+                <a:schemeClr val="accent1"/>
+              </a:buClr>
+              <a:buSzPct val="76000"/>
+              <a:buFont typeface="Wingdings 2" pitchFamily="18" charset="2"/>
+              <a:buChar char=""/>
+              <a:defRPr sz="1400" kern="1200">
+                <a:solidFill>
+                  <a:schemeClr val="tx2"/>
+                </a:solidFill>
+                <a:latin typeface="+mn-lt"/>
+                <a:ea typeface="+mn-ea"/>
+                <a:cs typeface="+mn-cs"/>
+              </a:defRPr>
+            </a:lvl8pPr>
+            <a:lvl9pPr marL="2121408" indent="-228600" algn="l" defTabSz="914400" rtl="0" eaLnBrk="1" latinLnBrk="0" hangingPunct="1">
+              <a:spcBef>
+                <a:spcPct val="20000"/>
+              </a:spcBef>
+              <a:buClr>
+                <a:schemeClr val="accent1"/>
+              </a:buClr>
+              <a:buSzPct val="76000"/>
+              <a:buFont typeface="Wingdings 2" pitchFamily="18" charset="2"/>
+              <a:buChar char=""/>
+              <a:defRPr sz="1400" kern="1200">
+                <a:solidFill>
+                  <a:schemeClr val="tx2"/>
+                </a:solidFill>
+                <a:latin typeface="+mn-lt"/>
+                <a:ea typeface="+mn-ea"/>
+                <a:cs typeface="+mn-cs"/>
+              </a:defRPr>
+            </a:lvl9pPr>
+          </a:lstStyle>
+          <a:p>
+            <a:endParaRPr lang="en-US" dirty="0" smtClean="0"/>
+          </a:p>
+          <a:p>
+            <a:r>
+              <a:rPr lang="en-US" dirty="0" smtClean="0"/>
+              <a:t>Lots of F# Features</a:t>
+            </a:r>
+          </a:p>
+          <a:p>
+            <a:r>
+              <a:rPr lang="en-US" dirty="0" smtClean="0"/>
+              <a:t>Other F# Web Frameworks</a:t>
+            </a:r>
+          </a:p>
+          <a:p>
+            <a:pPr lvl="1"/>
+            <a:r>
+              <a:rPr lang="en-US" dirty="0" smtClean="0"/>
+              <a:t>Bistro</a:t>
+            </a:r>
+          </a:p>
+          <a:p>
+            <a:pPr lvl="1"/>
+            <a:r>
+              <a:rPr lang="en-US" dirty="0" smtClean="0"/>
+              <a:t>Suave</a:t>
+            </a:r>
+          </a:p>
+          <a:p>
+            <a:pPr lvl="1"/>
+            <a:r>
+              <a:rPr lang="en-US" dirty="0" smtClean="0"/>
+              <a:t>Frank and </a:t>
+            </a:r>
+            <a:r>
+              <a:rPr lang="en-US" dirty="0" err="1" smtClean="0"/>
+              <a:t>Frack</a:t>
+            </a:r>
+            <a:endParaRPr lang="en-US" dirty="0" smtClean="0"/>
+          </a:p>
+          <a:p>
+            <a:pPr marL="365760" lvl="1" indent="0">
+              <a:buNone/>
+            </a:pPr>
+            <a:endParaRPr lang="en-US" dirty="0" smtClean="0"/>
+          </a:p>
+          <a:p>
+            <a:pPr marL="68580" indent="0">
+              <a:buFont typeface="Wingdings 2" pitchFamily="18" charset="2"/>
+              <a:buNone/>
+            </a:pPr>
+            <a:endParaRPr lang="en-US" dirty="0" smtClean="0"/>
+          </a:p>
+        </p:txBody>
+      </p:sp>
     </p:spTree>
     <p:extLst>
       <p:ext uri="{BB962C8B-B14F-4D97-AF65-F5344CB8AC3E}">
-        <p14:creationId xmlns:p14="http://schemas.microsoft.com/office/powerpoint/2010/main" val="2604104022"/>
+        <p14:creationId xmlns:p14="http://schemas.microsoft.com/office/powerpoint/2010/main" val="4105916061"/>
       </p:ext>
     </p:extLst>
   </p:cSld>
@@ -14743,33 +14972,9 @@
                   </a:schemeClr>
                 </a:solidFill>
               </a:rPr>
-              <a:t>What Wasn’t Covered?</a:t>
+              <a:t>More Information</a:t>
             </a:r>
             <a:endParaRPr lang="en-US" dirty="0"/>
-          </a:p>
-        </p:txBody>
-      </p:sp>
-      <p:sp>
-        <p:nvSpPr>
-          <p:cNvPr id="3" name="Content Placeholder 2"/>
-          <p:cNvSpPr>
-            <a:spLocks noGrp="1"/>
-          </p:cNvSpPr>
-          <p:nvPr>
-            <p:ph idx="1"/>
-          </p:nvPr>
-        </p:nvSpPr>
-        <p:spPr/>
-        <p:txBody>
-          <a:bodyPr>
-            <a:normAutofit/>
-          </a:bodyPr>
-          <a:lstStyle/>
-          <a:p>
-            <a:pPr marL="68580" indent="0">
-              <a:buNone/>
-            </a:pPr>
-            <a:endParaRPr lang="en-US" dirty="0" smtClean="0"/>
           </a:p>
         </p:txBody>
       </p:sp>
@@ -14791,7 +14996,7 @@
             <a:fld id="{05A93482-8E69-40F7-BCAD-5662A6CADB27}" type="datetime4">
               <a:rPr lang="en-US" smtClean="0"/>
               <a:pPr/>
-              <a:t>October 12, 2010</a:t>
+              <a:t>October 13, 2010</a:t>
             </a:fld>
             <a:endParaRPr lang="en-US"/>
           </a:p>
@@ -14840,10 +15045,282 @@
           </a:p>
         </p:txBody>
       </p:sp>
+      <p:sp>
+        <p:nvSpPr>
+          <p:cNvPr id="8" name="Content Placeholder 2"/>
+          <p:cNvSpPr txBox="1">
+            <a:spLocks/>
+          </p:cNvSpPr>
+          <p:nvPr/>
+        </p:nvSpPr>
+        <p:spPr>
+          <a:xfrm>
+            <a:off x="1195892" y="2286000"/>
+            <a:ext cx="6777317" cy="2708429"/>
+          </a:xfrm>
+          <a:prstGeom prst="rect">
+            <a:avLst/>
+          </a:prstGeom>
+        </p:spPr>
+        <p:txBody>
+          <a:bodyPr vert="horz" lIns="91440" tIns="45720" rIns="91440" bIns="45720" rtlCol="0">
+            <a:normAutofit fontScale="92500" lnSpcReduction="20000"/>
+          </a:bodyPr>
+          <a:lstStyle>
+            <a:lvl1pPr marL="342900" indent="-274320" algn="l" defTabSz="914400" rtl="0" eaLnBrk="1" latinLnBrk="0" hangingPunct="1">
+              <a:spcBef>
+                <a:spcPct val="20000"/>
+              </a:spcBef>
+              <a:buClr>
+                <a:schemeClr val="accent1"/>
+              </a:buClr>
+              <a:buSzPct val="76000"/>
+              <a:buFont typeface="Wingdings 2" pitchFamily="18" charset="2"/>
+              <a:buChar char=""/>
+              <a:defRPr sz="2400" kern="1200">
+                <a:solidFill>
+                  <a:schemeClr val="tx2"/>
+                </a:solidFill>
+                <a:latin typeface="+mn-lt"/>
+                <a:ea typeface="+mn-ea"/>
+                <a:cs typeface="+mn-cs"/>
+              </a:defRPr>
+            </a:lvl1pPr>
+            <a:lvl2pPr marL="640080" indent="-274320" algn="l" defTabSz="914400" rtl="0" eaLnBrk="1" latinLnBrk="0" hangingPunct="1">
+              <a:spcBef>
+                <a:spcPct val="20000"/>
+              </a:spcBef>
+              <a:buClr>
+                <a:schemeClr val="accent1"/>
+              </a:buClr>
+              <a:buSzPct val="76000"/>
+              <a:buFont typeface="Wingdings 2" pitchFamily="18" charset="2"/>
+              <a:buChar char=""/>
+              <a:defRPr sz="2200" kern="1200">
+                <a:solidFill>
+                  <a:schemeClr val="tx2"/>
+                </a:solidFill>
+                <a:latin typeface="+mn-lt"/>
+                <a:ea typeface="+mn-ea"/>
+                <a:cs typeface="+mn-cs"/>
+              </a:defRPr>
+            </a:lvl2pPr>
+            <a:lvl3pPr marL="914400" indent="-228600" algn="l" defTabSz="914400" rtl="0" eaLnBrk="1" latinLnBrk="0" hangingPunct="1">
+              <a:spcBef>
+                <a:spcPct val="20000"/>
+              </a:spcBef>
+              <a:buClr>
+                <a:schemeClr val="accent1"/>
+              </a:buClr>
+              <a:buSzPct val="76000"/>
+              <a:buFont typeface="Wingdings 2" pitchFamily="18" charset="2"/>
+              <a:buChar char=""/>
+              <a:defRPr sz="2000" kern="1200">
+                <a:solidFill>
+                  <a:schemeClr val="tx2"/>
+                </a:solidFill>
+                <a:latin typeface="+mn-lt"/>
+                <a:ea typeface="+mn-ea"/>
+                <a:cs typeface="+mn-cs"/>
+              </a:defRPr>
+            </a:lvl3pPr>
+            <a:lvl4pPr marL="1124712" indent="-228600" algn="l" defTabSz="914400" rtl="0" eaLnBrk="1" latinLnBrk="0" hangingPunct="1">
+              <a:spcBef>
+                <a:spcPct val="20000"/>
+              </a:spcBef>
+              <a:buClr>
+                <a:schemeClr val="accent1"/>
+              </a:buClr>
+              <a:buSzPct val="76000"/>
+              <a:buFont typeface="Wingdings 2" pitchFamily="18" charset="2"/>
+              <a:buChar char=""/>
+              <a:defRPr sz="1800" kern="1200">
+                <a:solidFill>
+                  <a:schemeClr val="tx2"/>
+                </a:solidFill>
+                <a:latin typeface="+mn-lt"/>
+                <a:ea typeface="+mn-ea"/>
+                <a:cs typeface="+mn-cs"/>
+              </a:defRPr>
+            </a:lvl4pPr>
+            <a:lvl5pPr marL="1325880" indent="-228600" algn="l" defTabSz="914400" rtl="0" eaLnBrk="1" latinLnBrk="0" hangingPunct="1">
+              <a:spcBef>
+                <a:spcPct val="20000"/>
+              </a:spcBef>
+              <a:buClr>
+                <a:schemeClr val="accent1"/>
+              </a:buClr>
+              <a:buSzPct val="76000"/>
+              <a:buFont typeface="Wingdings 2" pitchFamily="18" charset="2"/>
+              <a:buChar char=""/>
+              <a:defRPr sz="1600" kern="1200" baseline="0">
+                <a:solidFill>
+                  <a:schemeClr val="tx2"/>
+                </a:solidFill>
+                <a:latin typeface="+mn-lt"/>
+                <a:ea typeface="+mn-ea"/>
+                <a:cs typeface="+mn-cs"/>
+              </a:defRPr>
+            </a:lvl5pPr>
+            <a:lvl6pPr marL="1517904" indent="-228600" algn="l" defTabSz="914400" rtl="0" eaLnBrk="1" latinLnBrk="0" hangingPunct="1">
+              <a:spcBef>
+                <a:spcPct val="20000"/>
+              </a:spcBef>
+              <a:buClr>
+                <a:schemeClr val="accent1"/>
+              </a:buClr>
+              <a:buSzPct val="76000"/>
+              <a:buFont typeface="Wingdings 2" pitchFamily="18" charset="2"/>
+              <a:buChar char=""/>
+              <a:defRPr sz="1400" kern="1200">
+                <a:solidFill>
+                  <a:schemeClr val="tx2"/>
+                </a:solidFill>
+                <a:latin typeface="+mn-lt"/>
+                <a:ea typeface="+mn-ea"/>
+                <a:cs typeface="+mn-cs"/>
+              </a:defRPr>
+            </a:lvl6pPr>
+            <a:lvl7pPr marL="1719072" indent="-228600" algn="l" defTabSz="914400" rtl="0" eaLnBrk="1" latinLnBrk="0" hangingPunct="1">
+              <a:spcBef>
+                <a:spcPct val="20000"/>
+              </a:spcBef>
+              <a:buClr>
+                <a:schemeClr val="accent1"/>
+              </a:buClr>
+              <a:buSzPct val="76000"/>
+              <a:buFont typeface="Wingdings 2" pitchFamily="18" charset="2"/>
+              <a:buChar char=""/>
+              <a:defRPr sz="1400" kern="1200">
+                <a:solidFill>
+                  <a:schemeClr val="tx2"/>
+                </a:solidFill>
+                <a:latin typeface="+mn-lt"/>
+                <a:ea typeface="+mn-ea"/>
+                <a:cs typeface="+mn-cs"/>
+              </a:defRPr>
+            </a:lvl7pPr>
+            <a:lvl8pPr marL="1920240" indent="-228600" algn="l" defTabSz="914400" rtl="0" eaLnBrk="1" latinLnBrk="0" hangingPunct="1">
+              <a:spcBef>
+                <a:spcPct val="20000"/>
+              </a:spcBef>
+              <a:buClr>
+                <a:schemeClr val="accent1"/>
+              </a:buClr>
+              <a:buSzPct val="76000"/>
+              <a:buFont typeface="Wingdings 2" pitchFamily="18" charset="2"/>
+              <a:buChar char=""/>
+              <a:defRPr sz="1400" kern="1200">
+                <a:solidFill>
+                  <a:schemeClr val="tx2"/>
+                </a:solidFill>
+                <a:latin typeface="+mn-lt"/>
+                <a:ea typeface="+mn-ea"/>
+                <a:cs typeface="+mn-cs"/>
+              </a:defRPr>
+            </a:lvl8pPr>
+            <a:lvl9pPr marL="2121408" indent="-228600" algn="l" defTabSz="914400" rtl="0" eaLnBrk="1" latinLnBrk="0" hangingPunct="1">
+              <a:spcBef>
+                <a:spcPct val="20000"/>
+              </a:spcBef>
+              <a:buClr>
+                <a:schemeClr val="accent1"/>
+              </a:buClr>
+              <a:buSzPct val="76000"/>
+              <a:buFont typeface="Wingdings 2" pitchFamily="18" charset="2"/>
+              <a:buChar char=""/>
+              <a:defRPr sz="1400" kern="1200">
+                <a:solidFill>
+                  <a:schemeClr val="tx2"/>
+                </a:solidFill>
+                <a:latin typeface="+mn-lt"/>
+                <a:ea typeface="+mn-ea"/>
+                <a:cs typeface="+mn-cs"/>
+              </a:defRPr>
+            </a:lvl9pPr>
+          </a:lstStyle>
+          <a:p>
+            <a:endParaRPr lang="en-US" dirty="0" smtClean="0"/>
+          </a:p>
+          <a:p>
+            <a:r>
+              <a:rPr lang="en-US" dirty="0" smtClean="0"/>
+              <a:t>Books </a:t>
+            </a:r>
+            <a:r>
+              <a:rPr lang="en-US" dirty="0"/>
+              <a:t>- </a:t>
+            </a:r>
+            <a:r>
+              <a:rPr lang="en-US" dirty="0">
+                <a:hlinkClick r:id="rId2"/>
+              </a:rPr>
+              <a:t>http://</a:t>
+            </a:r>
+            <a:r>
+              <a:rPr lang="en-US" dirty="0" smtClean="0">
+                <a:hlinkClick r:id="rId2"/>
+              </a:rPr>
+              <a:t>msdn.microsoft.com/en-us/fsharp/gg262865.aspx</a:t>
+            </a:r>
+            <a:endParaRPr lang="en-US" dirty="0" smtClean="0"/>
+          </a:p>
+          <a:p>
+            <a:r>
+              <a:rPr lang="en-US" dirty="0"/>
+              <a:t>F# MSDN - </a:t>
+            </a:r>
+            <a:r>
+              <a:rPr lang="en-US" dirty="0">
+                <a:hlinkClick r:id="rId2"/>
+              </a:rPr>
+              <a:t>http://</a:t>
+            </a:r>
+            <a:r>
+              <a:rPr lang="en-US" dirty="0" smtClean="0">
+                <a:hlinkClick r:id="rId2"/>
+              </a:rPr>
+              <a:t>msdn.microsoft.com/en-us/fsharp/gg262865.aspx</a:t>
+            </a:r>
+            <a:endParaRPr lang="en-US" dirty="0" smtClean="0"/>
+          </a:p>
+          <a:p>
+            <a:r>
+              <a:rPr lang="en-US" dirty="0" smtClean="0"/>
+              <a:t>Blogs</a:t>
+            </a:r>
+          </a:p>
+          <a:p>
+            <a:r>
+              <a:rPr lang="en-US" dirty="0" smtClean="0"/>
+              <a:t>Twitter</a:t>
+            </a:r>
+          </a:p>
+          <a:p>
+            <a:r>
+              <a:rPr lang="en-US" dirty="0" smtClean="0"/>
+              <a:t>Ask – F# has the greatest community around</a:t>
+            </a:r>
+          </a:p>
+          <a:p>
+            <a:pPr marL="365760" lvl="1" indent="0">
+              <a:buNone/>
+            </a:pPr>
+            <a:endParaRPr lang="en-US" dirty="0" smtClean="0"/>
+          </a:p>
+          <a:p>
+            <a:pPr marL="68580" indent="0">
+              <a:buFont typeface="Wingdings 2" pitchFamily="18" charset="2"/>
+              <a:buNone/>
+            </a:pPr>
+            <a:endParaRPr lang="en-US" dirty="0" smtClean="0"/>
+          </a:p>
+        </p:txBody>
+      </p:sp>
     </p:spTree>
     <p:extLst>
       <p:ext uri="{BB962C8B-B14F-4D97-AF65-F5344CB8AC3E}">
-        <p14:creationId xmlns:p14="http://schemas.microsoft.com/office/powerpoint/2010/main" val="4105916061"/>
+        <p14:creationId xmlns:p14="http://schemas.microsoft.com/office/powerpoint/2010/main" val="1179791007"/>
       </p:ext>
     </p:extLst>
   </p:cSld>
@@ -14883,7 +15360,7 @@
         <p:spPr/>
         <p:txBody>
           <a:bodyPr>
-            <a:normAutofit/>
+            <a:normAutofit fontScale="90000"/>
           </a:bodyPr>
           <a:lstStyle/>
           <a:p>
@@ -14895,33 +15372,54 @@
                   </a:schemeClr>
                 </a:solidFill>
               </a:rPr>
-              <a:t>More Information</a:t>
-            </a:r>
-            <a:endParaRPr lang="en-US" dirty="0"/>
-          </a:p>
-        </p:txBody>
-      </p:sp>
-      <p:sp>
-        <p:nvSpPr>
-          <p:cNvPr id="3" name="Content Placeholder 2"/>
-          <p:cNvSpPr>
-            <a:spLocks noGrp="1"/>
-          </p:cNvSpPr>
-          <p:nvPr>
-            <p:ph idx="1"/>
-          </p:nvPr>
-        </p:nvSpPr>
-        <p:spPr/>
-        <p:txBody>
-          <a:bodyPr>
-            <a:normAutofit/>
-          </a:bodyPr>
-          <a:lstStyle/>
-          <a:p>
-            <a:pPr marL="68580" indent="0">
-              <a:buNone/>
-            </a:pPr>
-            <a:endParaRPr lang="en-US" dirty="0" smtClean="0"/>
+              <a:t>Daniel </a:t>
+            </a:r>
+            <a:r>
+              <a:rPr lang="en-US" dirty="0" err="1" smtClean="0">
+                <a:solidFill>
+                  <a:schemeClr val="accent5">
+                    <a:lumMod val="50000"/>
+                  </a:schemeClr>
+                </a:solidFill>
+              </a:rPr>
+              <a:t>Mohl</a:t>
+            </a:r>
+            <a:r>
+              <a:rPr lang="en-US" dirty="0" smtClean="0">
+                <a:solidFill>
+                  <a:schemeClr val="accent5">
+                    <a:lumMod val="50000"/>
+                  </a:schemeClr>
+                </a:solidFill>
+              </a:rPr>
+              <a:t/>
+            </a:r>
+            <a:br>
+              <a:rPr lang="en-US" dirty="0" smtClean="0">
+                <a:solidFill>
+                  <a:schemeClr val="accent5">
+                    <a:lumMod val="50000"/>
+                  </a:schemeClr>
+                </a:solidFill>
+              </a:rPr>
+            </a:br>
+            <a:r>
+              <a:rPr lang="en-US" dirty="0" smtClean="0">
+                <a:solidFill>
+                  <a:schemeClr val="accent5">
+                    <a:lumMod val="50000"/>
+                  </a:schemeClr>
+                </a:solidFill>
+              </a:rPr>
+              <a:t>C# MVP and F# Insider</a:t>
+            </a:r>
+            <a:endParaRPr lang="en-US" dirty="0">
+              <a:solidFill>
+                <a:schemeClr val="accent5">
+                  <a:lumMod val="50000"/>
+                </a:schemeClr>
+              </a:solidFill>
+            </a:endParaRPr>
           </a:p>
         </p:txBody>
       </p:sp>
@@ -14943,7 +15441,7 @@
             <a:fld id="{05A93482-8E69-40F7-BCAD-5662A6CADB27}" type="datetime4">
               <a:rPr lang="en-US" smtClean="0"/>
               <a:pPr/>
-              <a:t>October 12, 2010</a:t>
+              <a:t>October 13, 2010</a:t>
             </a:fld>
             <a:endParaRPr lang="en-US"/>
           </a:p>
@@ -14987,179 +15485,6 @@
               <a:rPr lang="en-US" smtClean="0"/>
               <a:pPr/>
               <a:t>16</a:t>
-            </a:fld>
-            <a:endParaRPr lang="en-US"/>
-          </a:p>
-        </p:txBody>
-      </p:sp>
-    </p:spTree>
-    <p:extLst>
-      <p:ext uri="{BB962C8B-B14F-4D97-AF65-F5344CB8AC3E}">
-        <p14:creationId xmlns:p14="http://schemas.microsoft.com/office/powerpoint/2010/main" val="1179791007"/>
-      </p:ext>
-    </p:extLst>
-  </p:cSld>
-  <p:clrMapOvr>
-    <a:masterClrMapping/>
-  </p:clrMapOvr>
-</p:sld>
-</file>
-
-<file path=ppt/slides/slide17.xml><?xml version="1.0" encoding="utf-8"?>
-<p:sld xmlns:a="http://schemas.openxmlformats.org/drawingml/2006/main" xmlns:r="http://schemas.openxmlformats.org/officeDocument/2006/relationships" xmlns:p="http://schemas.openxmlformats.org/presentationml/2006/main">
-  <p:cSld>
-    <p:spTree>
-      <p:nvGrpSpPr>
-        <p:cNvPr id="1" name=""/>
-        <p:cNvGrpSpPr/>
-        <p:nvPr/>
-      </p:nvGrpSpPr>
-      <p:grpSpPr>
-        <a:xfrm>
-          <a:off x="0" y="0"/>
-          <a:ext cx="0" cy="0"/>
-          <a:chOff x="0" y="0"/>
-          <a:chExt cx="0" cy="0"/>
-        </a:xfrm>
-      </p:grpSpPr>
-      <p:sp>
-        <p:nvSpPr>
-          <p:cNvPr id="2" name="Title 1"/>
-          <p:cNvSpPr>
-            <a:spLocks noGrp="1"/>
-          </p:cNvSpPr>
-          <p:nvPr>
-            <p:ph type="title"/>
-          </p:nvPr>
-        </p:nvSpPr>
-        <p:spPr/>
-        <p:txBody>
-          <a:bodyPr>
-            <a:normAutofit fontScale="90000"/>
-          </a:bodyPr>
-          <a:lstStyle/>
-          <a:p>
-            <a:r>
-              <a:rPr lang="en-US" dirty="0" smtClean="0">
-                <a:solidFill>
-                  <a:schemeClr val="accent5">
-                    <a:lumMod val="50000"/>
-                  </a:schemeClr>
-                </a:solidFill>
-              </a:rPr>
-              <a:t>Daniel </a:t>
-            </a:r>
-            <a:r>
-              <a:rPr lang="en-US" dirty="0" err="1" smtClean="0">
-                <a:solidFill>
-                  <a:schemeClr val="accent5">
-                    <a:lumMod val="50000"/>
-                  </a:schemeClr>
-                </a:solidFill>
-              </a:rPr>
-              <a:t>Mohl</a:t>
-            </a:r>
-            <a:r>
-              <a:rPr lang="en-US" dirty="0" smtClean="0">
-                <a:solidFill>
-                  <a:schemeClr val="accent5">
-                    <a:lumMod val="50000"/>
-                  </a:schemeClr>
-                </a:solidFill>
-              </a:rPr>
-              <a:t/>
-            </a:r>
-            <a:br>
-              <a:rPr lang="en-US" dirty="0" smtClean="0">
-                <a:solidFill>
-                  <a:schemeClr val="accent5">
-                    <a:lumMod val="50000"/>
-                  </a:schemeClr>
-                </a:solidFill>
-              </a:rPr>
-            </a:br>
-            <a:r>
-              <a:rPr lang="en-US" dirty="0" smtClean="0">
-                <a:solidFill>
-                  <a:schemeClr val="accent5">
-                    <a:lumMod val="50000"/>
-                  </a:schemeClr>
-                </a:solidFill>
-              </a:rPr>
-              <a:t>C# MVP and F# Insider</a:t>
-            </a:r>
-            <a:endParaRPr lang="en-US" dirty="0">
-              <a:solidFill>
-                <a:schemeClr val="accent5">
-                  <a:lumMod val="50000"/>
-                </a:schemeClr>
-              </a:solidFill>
-            </a:endParaRPr>
-          </a:p>
-        </p:txBody>
-      </p:sp>
-      <p:sp>
-        <p:nvSpPr>
-          <p:cNvPr id="4" name="Date Placeholder 3"/>
-          <p:cNvSpPr>
-            <a:spLocks noGrp="1"/>
-          </p:cNvSpPr>
-          <p:nvPr>
-            <p:ph type="dt" sz="half" idx="10"/>
-          </p:nvPr>
-        </p:nvSpPr>
-        <p:spPr/>
-        <p:txBody>
-          <a:bodyPr/>
-          <a:lstStyle/>
-          <a:p>
-            <a:fld id="{05A93482-8E69-40F7-BCAD-5662A6CADB27}" type="datetime4">
-              <a:rPr lang="en-US" smtClean="0"/>
-              <a:pPr/>
-              <a:t>October 12, 2010</a:t>
-            </a:fld>
-            <a:endParaRPr lang="en-US"/>
-          </a:p>
-        </p:txBody>
-      </p:sp>
-      <p:sp>
-        <p:nvSpPr>
-          <p:cNvPr id="5" name="Footer Placeholder 4"/>
-          <p:cNvSpPr>
-            <a:spLocks noGrp="1"/>
-          </p:cNvSpPr>
-          <p:nvPr>
-            <p:ph type="ftr" sz="quarter" idx="11"/>
-          </p:nvPr>
-        </p:nvSpPr>
-        <p:spPr/>
-        <p:txBody>
-          <a:bodyPr/>
-          <a:lstStyle/>
-          <a:p>
-            <a:endParaRPr lang="en-US"/>
-          </a:p>
-        </p:txBody>
-      </p:sp>
-      <p:sp>
-        <p:nvSpPr>
-          <p:cNvPr id="6" name="Slide Number Placeholder 5"/>
-          <p:cNvSpPr>
-            <a:spLocks noGrp="1"/>
-          </p:cNvSpPr>
-          <p:nvPr>
-            <p:ph type="sldNum" sz="quarter" idx="12"/>
-          </p:nvPr>
-        </p:nvSpPr>
-        <p:spPr/>
-        <p:txBody>
-          <a:bodyPr/>
-          <a:lstStyle/>
-          <a:p>
-            <a:fld id="{8B37D5FE-740C-46F5-801A-FA5477D9711F}" type="slidenum">
-              <a:rPr lang="en-US" smtClean="0"/>
-              <a:pPr/>
-              <a:t>17</a:t>
             </a:fld>
             <a:endParaRPr lang="en-US"/>
           </a:p>
@@ -15830,7 +16155,7 @@
             <a:fld id="{05A93482-8E69-40F7-BCAD-5662A6CADB27}" type="datetime4">
               <a:rPr lang="en-US" smtClean="0"/>
               <a:pPr/>
-              <a:t>October 12, 2010</a:t>
+              <a:t>October 13, 2010</a:t>
             </a:fld>
             <a:endParaRPr lang="en-US"/>
           </a:p>
@@ -16568,7 +16893,7 @@
             <a:fld id="{05A93482-8E69-40F7-BCAD-5662A6CADB27}" type="datetime4">
               <a:rPr lang="en-US" smtClean="0"/>
               <a:pPr/>
-              <a:t>October 12, 2010</a:t>
+              <a:t>October 13, 2010</a:t>
             </a:fld>
             <a:endParaRPr lang="en-US"/>
           </a:p>
@@ -16744,7 +17069,7 @@
             <a:fld id="{05A93482-8E69-40F7-BCAD-5662A6CADB27}" type="datetime4">
               <a:rPr lang="en-US" smtClean="0"/>
               <a:pPr/>
-              <a:t>October 12, 2010</a:t>
+              <a:t>October 13, 2010</a:t>
             </a:fld>
             <a:endParaRPr lang="en-US"/>
           </a:p>
@@ -16869,9 +17194,16 @@
           </a:bodyPr>
           <a:lstStyle/>
           <a:p>
+            <a:endParaRPr lang="en-US" dirty="0" smtClean="0"/>
+          </a:p>
+          <a:p>
             <a:r>
               <a:rPr lang="en-US" dirty="0" smtClean="0"/>
-              <a:t>Whitespace Matters</a:t>
+              <a:t>Whitespace </a:t>
+            </a:r>
+            <a:r>
+              <a:rPr lang="en-US" dirty="0" smtClean="0"/>
+              <a:t>Matters</a:t>
             </a:r>
           </a:p>
           <a:p>
@@ -16883,19 +17215,21 @@
           <a:p>
             <a:r>
               <a:rPr lang="en-US" dirty="0" smtClean="0"/>
-              <a:t>First-class Functions</a:t>
-            </a:r>
-          </a:p>
-          <a:p>
+              <a:t>First-Class </a:t>
+            </a:r>
             <a:r>
               <a:rPr lang="en-US" dirty="0" smtClean="0"/>
-              <a:t>module </a:t>
+              <a:t>Functions</a:t>
             </a:r>
           </a:p>
           <a:p>
             <a:r>
               <a:rPr lang="en-US" dirty="0" smtClean="0"/>
-              <a:t>Pattern Matching</a:t>
+              <a:t>Pattern </a:t>
+            </a:r>
+            <a:r>
+              <a:rPr lang="en-US" dirty="0" smtClean="0"/>
+              <a:t>Matching</a:t>
             </a:r>
           </a:p>
           <a:p>
@@ -16930,7 +17264,7 @@
             <a:fld id="{05A93482-8E69-40F7-BCAD-5662A6CADB27}" type="datetime4">
               <a:rPr lang="en-US" smtClean="0"/>
               <a:pPr/>
-              <a:t>October 12, 2010</a:t>
+              <a:t>October 13, 2010</a:t>
             </a:fld>
             <a:endParaRPr lang="en-US"/>
           </a:p>
@@ -17019,76 +17353,29 @@
             <p:ph type="title"/>
           </p:nvPr>
         </p:nvSpPr>
-        <p:spPr/>
-        <p:txBody>
-          <a:bodyPr/>
-          <a:lstStyle/>
-          <a:p>
-            <a:r>
-              <a:rPr lang="en-US" dirty="0" smtClean="0">
-                <a:solidFill>
-                  <a:schemeClr val="accent5">
-                    <a:lumMod val="50000"/>
-                  </a:schemeClr>
-                </a:solidFill>
-              </a:rPr>
-              <a:t>Whitespace Matters</a:t>
-            </a:r>
-            <a:endParaRPr lang="en-US" dirty="0"/>
-          </a:p>
-        </p:txBody>
-      </p:sp>
-      <p:sp>
-        <p:nvSpPr>
-          <p:cNvPr id="3" name="Content Placeholder 2"/>
-          <p:cNvSpPr>
-            <a:spLocks noGrp="1"/>
-          </p:cNvSpPr>
-          <p:nvPr>
-            <p:ph idx="1"/>
-          </p:nvPr>
-        </p:nvSpPr>
-        <p:spPr/>
+        <p:spPr>
+          <a:xfrm>
+            <a:off x="1043490" y="1027664"/>
+            <a:ext cx="7024744" cy="724936"/>
+          </a:xfrm>
+        </p:spPr>
         <p:txBody>
           <a:bodyPr>
             <a:normAutofit/>
           </a:bodyPr>
           <a:lstStyle/>
           <a:p>
-            <a:pPr marL="68580" indent="0">
-              <a:buNone/>
-            </a:pPr>
-            <a:r>
-              <a:rPr lang="en-US" dirty="0" smtClean="0"/>
-              <a:t>let </a:t>
-            </a:r>
-            <a:r>
-              <a:rPr lang="en-US" dirty="0" err="1" smtClean="0"/>
-              <a:t>myFunction</a:t>
-            </a:r>
-            <a:r>
-              <a:rPr lang="en-US" dirty="0" smtClean="0"/>
-              <a:t> x = </a:t>
-            </a:r>
-          </a:p>
-          <a:p>
-            <a:pPr marL="68580" indent="0">
-              <a:buNone/>
-            </a:pPr>
-            <a:r>
-              <a:rPr lang="en-US" dirty="0"/>
-              <a:t> </a:t>
-            </a:r>
-            <a:r>
-              <a:rPr lang="en-US" dirty="0" smtClean="0"/>
-              <a:t>   x + x</a:t>
-            </a:r>
-          </a:p>
-          <a:p>
-            <a:pPr marL="68580" indent="0">
-              <a:buNone/>
-            </a:pPr>
-            <a:endParaRPr lang="en-US" dirty="0" smtClean="0"/>
+            <a:r>
+              <a:rPr lang="en-US" dirty="0" smtClean="0">
+                <a:solidFill>
+                  <a:schemeClr val="accent5">
+                    <a:lumMod val="50000"/>
+                  </a:schemeClr>
+                </a:solidFill>
+              </a:rPr>
+              <a:t>Whitespace Matters</a:t>
+            </a:r>
+            <a:endParaRPr lang="en-US" dirty="0"/>
           </a:p>
         </p:txBody>
       </p:sp>
@@ -17110,27 +17397,8 @@
             <a:fld id="{05A93482-8E69-40F7-BCAD-5662A6CADB27}" type="datetime4">
               <a:rPr lang="en-US" smtClean="0"/>
               <a:pPr/>
-              <a:t>October 12, 2010</a:t>
+              <a:t>October 13, 2010</a:t>
             </a:fld>
-            <a:endParaRPr lang="en-US"/>
-          </a:p>
-        </p:txBody>
-      </p:sp>
-      <p:sp>
-        <p:nvSpPr>
-          <p:cNvPr id="5" name="Footer Placeholder 4"/>
-          <p:cNvSpPr>
-            <a:spLocks noGrp="1"/>
-          </p:cNvSpPr>
-          <p:nvPr>
-            <p:ph type="ftr" sz="quarter" idx="11"/>
-          </p:nvPr>
-        </p:nvSpPr>
-        <p:spPr/>
-        <p:txBody>
-          <a:bodyPr/>
-          <a:lstStyle/>
-          <a:p>
             <a:endParaRPr lang="en-US"/>
           </a:p>
         </p:txBody>
@@ -17156,6 +17424,1328 @@
               <a:t>6</a:t>
             </a:fld>
             <a:endParaRPr lang="en-US"/>
+          </a:p>
+        </p:txBody>
+      </p:sp>
+      <p:sp>
+        <p:nvSpPr>
+          <p:cNvPr id="7" name="Content Placeholder 2"/>
+          <p:cNvSpPr>
+            <a:spLocks noGrp="1"/>
+          </p:cNvSpPr>
+          <p:nvPr/>
+        </p:nvSpPr>
+        <p:spPr bwMode="auto">
+          <a:xfrm>
+            <a:off x="391851" y="1633550"/>
+            <a:ext cx="3614735" cy="4978565"/>
+          </a:xfrm>
+          <a:prstGeom prst="rect">
+            <a:avLst/>
+          </a:prstGeom>
+          <a:noFill/>
+          <a:ln w="9525">
+            <a:noFill/>
+            <a:miter lim="800000"/>
+            <a:headEnd/>
+            <a:tailEnd/>
+          </a:ln>
+        </p:spPr>
+        <p:txBody>
+          <a:bodyPr vert="horz" wrap="square" lIns="91440" tIns="45720" rIns="91440" bIns="45720" numCol="1" anchor="t" anchorCtr="0" compatLnSpc="1">
+            <a:prstTxWarp prst="textNoShape">
+              <a:avLst/>
+            </a:prstTxWarp>
+            <a:normAutofit/>
+          </a:bodyPr>
+          <a:lstStyle>
+            <a:lvl1pPr marL="342900" indent="-342900" algn="l" rtl="0" eaLnBrk="0" fontAlgn="base" hangingPunct="0">
+              <a:spcBef>
+                <a:spcPct val="20000"/>
+              </a:spcBef>
+              <a:spcAft>
+                <a:spcPct val="0"/>
+              </a:spcAft>
+              <a:buClr>
+                <a:schemeClr val="accent1"/>
+              </a:buClr>
+              <a:buChar char="•"/>
+              <a:defRPr sz="2400">
+                <a:solidFill>
+                  <a:schemeClr val="bg1"/>
+                </a:solidFill>
+                <a:latin typeface="+mn-lt"/>
+                <a:ea typeface="+mn-ea"/>
+                <a:cs typeface="+mn-cs"/>
+              </a:defRPr>
+            </a:lvl1pPr>
+            <a:lvl2pPr marL="742950" indent="-285750" algn="l" rtl="0" eaLnBrk="0" fontAlgn="base" hangingPunct="0">
+              <a:spcBef>
+                <a:spcPct val="20000"/>
+              </a:spcBef>
+              <a:spcAft>
+                <a:spcPct val="0"/>
+              </a:spcAft>
+              <a:buClr>
+                <a:schemeClr val="accent1"/>
+              </a:buClr>
+              <a:buChar char="•"/>
+              <a:defRPr sz="2000">
+                <a:solidFill>
+                  <a:schemeClr val="bg1"/>
+                </a:solidFill>
+                <a:latin typeface="+mn-lt"/>
+              </a:defRPr>
+            </a:lvl2pPr>
+            <a:lvl3pPr marL="1143000" indent="-228600" algn="l" rtl="0" eaLnBrk="0" fontAlgn="base" hangingPunct="0">
+              <a:spcBef>
+                <a:spcPct val="20000"/>
+              </a:spcBef>
+              <a:spcAft>
+                <a:spcPct val="0"/>
+              </a:spcAft>
+              <a:buClr>
+                <a:schemeClr val="accent1"/>
+              </a:buClr>
+              <a:buChar char="•"/>
+              <a:defRPr sz="2400">
+                <a:solidFill>
+                  <a:schemeClr val="bg1"/>
+                </a:solidFill>
+                <a:latin typeface="+mn-lt"/>
+              </a:defRPr>
+            </a:lvl3pPr>
+            <a:lvl4pPr marL="1600200" indent="-228600" algn="l" rtl="0" eaLnBrk="0" fontAlgn="base" hangingPunct="0">
+              <a:spcBef>
+                <a:spcPct val="20000"/>
+              </a:spcBef>
+              <a:spcAft>
+                <a:spcPct val="0"/>
+              </a:spcAft>
+              <a:buClr>
+                <a:schemeClr val="accent1"/>
+              </a:buClr>
+              <a:buChar char="•"/>
+              <a:defRPr sz="2000">
+                <a:solidFill>
+                  <a:schemeClr val="bg1"/>
+                </a:solidFill>
+                <a:latin typeface="+mn-lt"/>
+              </a:defRPr>
+            </a:lvl4pPr>
+            <a:lvl5pPr marL="2057400" indent="-228600" algn="l" rtl="0" eaLnBrk="0" fontAlgn="base" hangingPunct="0">
+              <a:spcBef>
+                <a:spcPct val="20000"/>
+              </a:spcBef>
+              <a:spcAft>
+                <a:spcPct val="0"/>
+              </a:spcAft>
+              <a:buClr>
+                <a:schemeClr val="accent1"/>
+              </a:buClr>
+              <a:buChar char="•"/>
+              <a:defRPr sz="2000">
+                <a:solidFill>
+                  <a:schemeClr val="bg1"/>
+                </a:solidFill>
+                <a:latin typeface="+mn-lt"/>
+              </a:defRPr>
+            </a:lvl5pPr>
+            <a:lvl6pPr marL="2514600" indent="-228600" algn="l" rtl="0" eaLnBrk="1" fontAlgn="base" hangingPunct="1">
+              <a:spcBef>
+                <a:spcPct val="20000"/>
+              </a:spcBef>
+              <a:spcAft>
+                <a:spcPct val="0"/>
+              </a:spcAft>
+              <a:buClr>
+                <a:schemeClr val="tx2"/>
+              </a:buClr>
+              <a:buChar char="•"/>
+              <a:defRPr>
+                <a:solidFill>
+                  <a:schemeClr val="tx1"/>
+                </a:solidFill>
+                <a:latin typeface="+mn-lt"/>
+              </a:defRPr>
+            </a:lvl6pPr>
+            <a:lvl7pPr marL="2971800" indent="-228600" algn="l" rtl="0" eaLnBrk="1" fontAlgn="base" hangingPunct="1">
+              <a:spcBef>
+                <a:spcPct val="20000"/>
+              </a:spcBef>
+              <a:spcAft>
+                <a:spcPct val="0"/>
+              </a:spcAft>
+              <a:buClr>
+                <a:schemeClr val="tx2"/>
+              </a:buClr>
+              <a:buChar char="•"/>
+              <a:defRPr>
+                <a:solidFill>
+                  <a:schemeClr val="tx1"/>
+                </a:solidFill>
+                <a:latin typeface="+mn-lt"/>
+              </a:defRPr>
+            </a:lvl7pPr>
+            <a:lvl8pPr marL="3429000" indent="-228600" algn="l" rtl="0" eaLnBrk="1" fontAlgn="base" hangingPunct="1">
+              <a:spcBef>
+                <a:spcPct val="20000"/>
+              </a:spcBef>
+              <a:spcAft>
+                <a:spcPct val="0"/>
+              </a:spcAft>
+              <a:buClr>
+                <a:schemeClr val="tx2"/>
+              </a:buClr>
+              <a:buChar char="•"/>
+              <a:defRPr>
+                <a:solidFill>
+                  <a:schemeClr val="tx1"/>
+                </a:solidFill>
+                <a:latin typeface="+mn-lt"/>
+              </a:defRPr>
+            </a:lvl8pPr>
+            <a:lvl9pPr marL="3886200" indent="-228600" algn="l" rtl="0" eaLnBrk="1" fontAlgn="base" hangingPunct="1">
+              <a:spcBef>
+                <a:spcPct val="20000"/>
+              </a:spcBef>
+              <a:spcAft>
+                <a:spcPct val="0"/>
+              </a:spcAft>
+              <a:buClr>
+                <a:schemeClr val="tx2"/>
+              </a:buClr>
+              <a:buChar char="•"/>
+              <a:defRPr>
+                <a:solidFill>
+                  <a:schemeClr val="tx1"/>
+                </a:solidFill>
+                <a:latin typeface="+mn-lt"/>
+              </a:defRPr>
+            </a:lvl9pPr>
+          </a:lstStyle>
+          <a:p>
+            <a:pPr>
+              <a:buNone/>
+            </a:pPr>
+            <a:r>
+              <a:rPr lang="en-US" sz="1800" b="1" dirty="0" smtClean="0">
+                <a:solidFill>
+                  <a:schemeClr val="accent5">
+                    <a:lumMod val="50000"/>
+                  </a:schemeClr>
+                </a:solidFill>
+                <a:latin typeface="Lucida Console" pitchFamily="49" charset="0"/>
+              </a:rPr>
+              <a:t>//F#</a:t>
+            </a:r>
+          </a:p>
+          <a:p>
+            <a:pPr>
+              <a:buNone/>
+            </a:pPr>
+            <a:r>
+              <a:rPr lang="en-AU" sz="1800" b="1" dirty="0" smtClean="0">
+                <a:solidFill>
+                  <a:schemeClr val="accent5">
+                    <a:lumMod val="50000"/>
+                  </a:schemeClr>
+                </a:solidFill>
+                <a:latin typeface="Lucida Console" pitchFamily="49" charset="0"/>
+              </a:rPr>
+              <a:t>open </a:t>
+            </a:r>
+            <a:r>
+              <a:rPr lang="en-AU" sz="1800" b="1" dirty="0">
+                <a:solidFill>
+                  <a:schemeClr val="accent5">
+                    <a:lumMod val="50000"/>
+                  </a:schemeClr>
+                </a:solidFill>
+                <a:latin typeface="Lucida Console" pitchFamily="49" charset="0"/>
+              </a:rPr>
+              <a:t>System</a:t>
+            </a:r>
+          </a:p>
+          <a:p>
+            <a:pPr>
+              <a:buNone/>
+            </a:pPr>
+            <a:r>
+              <a:rPr lang="en-AU" sz="1800" b="1" dirty="0">
+                <a:solidFill>
+                  <a:schemeClr val="accent5">
+                    <a:lumMod val="50000"/>
+                  </a:schemeClr>
+                </a:solidFill>
+                <a:latin typeface="Lucida Console" pitchFamily="49" charset="0"/>
+              </a:rPr>
+              <a:t>let </a:t>
+            </a:r>
+            <a:r>
+              <a:rPr lang="en-AU" sz="1800" b="1" dirty="0" err="1" smtClean="0">
+                <a:solidFill>
+                  <a:schemeClr val="accent5">
+                    <a:lumMod val="50000"/>
+                  </a:schemeClr>
+                </a:solidFill>
+                <a:latin typeface="Lucida Console" pitchFamily="49" charset="0"/>
+              </a:rPr>
+              <a:t>doSomething</a:t>
+            </a:r>
+            <a:r>
+              <a:rPr lang="en-AU" sz="1800" b="1" dirty="0" smtClean="0">
+                <a:solidFill>
+                  <a:schemeClr val="accent5">
+                    <a:lumMod val="50000"/>
+                  </a:schemeClr>
+                </a:solidFill>
+                <a:latin typeface="Lucida Console" pitchFamily="49" charset="0"/>
+              </a:rPr>
+              <a:t> </a:t>
+            </a:r>
+            <a:r>
+              <a:rPr lang="en-AU" sz="1800" b="1" dirty="0" err="1" smtClean="0">
+                <a:solidFill>
+                  <a:schemeClr val="accent5">
+                    <a:lumMod val="50000"/>
+                  </a:schemeClr>
+                </a:solidFill>
+                <a:latin typeface="Lucida Console" pitchFamily="49" charset="0"/>
+              </a:rPr>
+              <a:t>val</a:t>
+            </a:r>
+            <a:r>
+              <a:rPr lang="en-AU" sz="1800" b="1" dirty="0" smtClean="0">
+                <a:solidFill>
+                  <a:schemeClr val="accent5">
+                    <a:lumMod val="50000"/>
+                  </a:schemeClr>
+                </a:solidFill>
+                <a:latin typeface="Lucida Console" pitchFamily="49" charset="0"/>
+              </a:rPr>
+              <a:t> = </a:t>
+            </a:r>
+          </a:p>
+          <a:p>
+            <a:pPr>
+              <a:buNone/>
+            </a:pPr>
+            <a:r>
+              <a:rPr lang="en-AU" sz="1800" b="1" dirty="0">
+                <a:solidFill>
+                  <a:schemeClr val="accent5">
+                    <a:lumMod val="50000"/>
+                  </a:schemeClr>
+                </a:solidFill>
+                <a:latin typeface="Lucida Console" pitchFamily="49" charset="0"/>
+              </a:rPr>
+              <a:t> </a:t>
+            </a:r>
+            <a:r>
+              <a:rPr lang="en-AU" sz="1800" b="1" dirty="0" smtClean="0">
+                <a:solidFill>
+                  <a:schemeClr val="accent5">
+                    <a:lumMod val="50000"/>
+                  </a:schemeClr>
+                </a:solidFill>
+                <a:latin typeface="Lucida Console" pitchFamily="49" charset="0"/>
+              </a:rPr>
+              <a:t>   </a:t>
+            </a:r>
+            <a:r>
+              <a:rPr lang="en-AU" sz="1800" b="1" dirty="0" err="1" smtClean="0">
+                <a:solidFill>
+                  <a:schemeClr val="accent5">
+                    <a:lumMod val="50000"/>
+                  </a:schemeClr>
+                </a:solidFill>
+                <a:latin typeface="Lucida Console" pitchFamily="49" charset="0"/>
+              </a:rPr>
+              <a:t>val</a:t>
+            </a:r>
+            <a:r>
+              <a:rPr lang="en-AU" sz="1800" b="1" dirty="0" smtClean="0">
+                <a:solidFill>
+                  <a:schemeClr val="accent5">
+                    <a:lumMod val="50000"/>
+                  </a:schemeClr>
+                </a:solidFill>
+                <a:latin typeface="Lucida Console" pitchFamily="49" charset="0"/>
+              </a:rPr>
+              <a:t> + </a:t>
+            </a:r>
+            <a:r>
+              <a:rPr lang="en-AU" sz="1800" b="1" dirty="0" err="1" smtClean="0">
+                <a:solidFill>
+                  <a:schemeClr val="accent5">
+                    <a:lumMod val="50000"/>
+                  </a:schemeClr>
+                </a:solidFill>
+                <a:latin typeface="Lucida Console" pitchFamily="49" charset="0"/>
+              </a:rPr>
+              <a:t>val</a:t>
+            </a:r>
+            <a:endParaRPr lang="en-AU" sz="1800" b="1" dirty="0">
+              <a:solidFill>
+                <a:schemeClr val="accent5">
+                  <a:lumMod val="50000"/>
+                </a:schemeClr>
+              </a:solidFill>
+              <a:latin typeface="Lucida Console" pitchFamily="49" charset="0"/>
+            </a:endParaRPr>
+          </a:p>
+          <a:p>
+            <a:pPr>
+              <a:buNone/>
+            </a:pPr>
+            <a:r>
+              <a:rPr lang="en-AU" sz="1800" b="1" dirty="0" err="1" smtClean="0">
+                <a:solidFill>
+                  <a:schemeClr val="accent5">
+                    <a:lumMod val="50000"/>
+                  </a:schemeClr>
+                </a:solidFill>
+                <a:latin typeface="Lucida Console" pitchFamily="49" charset="0"/>
+              </a:rPr>
+              <a:t>Console.WriteLine</a:t>
+            </a:r>
+            <a:r>
+              <a:rPr lang="en-AU" sz="1800" b="1" dirty="0" smtClean="0">
+                <a:solidFill>
+                  <a:schemeClr val="accent5">
+                    <a:lumMod val="50000"/>
+                  </a:schemeClr>
+                </a:solidFill>
+                <a:latin typeface="Lucida Console" pitchFamily="49" charset="0"/>
+              </a:rPr>
+              <a:t> </a:t>
+            </a:r>
+          </a:p>
+          <a:p>
+            <a:pPr>
+              <a:buNone/>
+            </a:pPr>
+            <a:r>
+              <a:rPr lang="en-AU" sz="1800" b="1" dirty="0">
+                <a:solidFill>
+                  <a:schemeClr val="accent5">
+                    <a:lumMod val="50000"/>
+                  </a:schemeClr>
+                </a:solidFill>
+                <a:latin typeface="Lucida Console" pitchFamily="49" charset="0"/>
+              </a:rPr>
+              <a:t> </a:t>
+            </a:r>
+            <a:r>
+              <a:rPr lang="en-AU" sz="1800" b="1" dirty="0" smtClean="0">
+                <a:solidFill>
+                  <a:schemeClr val="accent5">
+                    <a:lumMod val="50000"/>
+                  </a:schemeClr>
+                </a:solidFill>
+                <a:latin typeface="Lucida Console" pitchFamily="49" charset="0"/>
+              </a:rPr>
+              <a:t>   (</a:t>
+            </a:r>
+            <a:r>
+              <a:rPr lang="en-AU" sz="1800" b="1" dirty="0" err="1" smtClean="0">
+                <a:solidFill>
+                  <a:schemeClr val="accent5">
+                    <a:lumMod val="50000"/>
+                  </a:schemeClr>
+                </a:solidFill>
+                <a:latin typeface="Lucida Console" pitchFamily="49" charset="0"/>
+              </a:rPr>
+              <a:t>doSomething</a:t>
+            </a:r>
+            <a:r>
+              <a:rPr lang="en-AU" sz="1800" b="1" dirty="0" smtClean="0">
+                <a:solidFill>
+                  <a:schemeClr val="accent5">
+                    <a:lumMod val="50000"/>
+                  </a:schemeClr>
+                </a:solidFill>
+                <a:latin typeface="Lucida Console" pitchFamily="49" charset="0"/>
+              </a:rPr>
+              <a:t> 1)</a:t>
+            </a:r>
+            <a:endParaRPr lang="en-US" sz="1800" b="1" dirty="0">
+              <a:solidFill>
+                <a:schemeClr val="accent5">
+                  <a:lumMod val="50000"/>
+                </a:schemeClr>
+              </a:solidFill>
+              <a:latin typeface="Lucida Console" pitchFamily="49" charset="0"/>
+            </a:endParaRPr>
+          </a:p>
+        </p:txBody>
+      </p:sp>
+      <p:sp>
+        <p:nvSpPr>
+          <p:cNvPr id="8" name="Content Placeholder 2"/>
+          <p:cNvSpPr txBox="1">
+            <a:spLocks/>
+          </p:cNvSpPr>
+          <p:nvPr/>
+        </p:nvSpPr>
+        <p:spPr>
+          <a:xfrm>
+            <a:off x="3720834" y="1676400"/>
+            <a:ext cx="5423166" cy="4978565"/>
+          </a:xfrm>
+          <a:prstGeom prst="rect">
+            <a:avLst/>
+          </a:prstGeom>
+        </p:spPr>
+        <p:txBody>
+          <a:bodyPr vert="horz" lIns="91432" tIns="45715" rIns="91432" bIns="45715" rtlCol="0">
+            <a:noAutofit/>
+          </a:bodyPr>
+          <a:lstStyle>
+            <a:defPPr>
+              <a:defRPr lang="en-US"/>
+            </a:defPPr>
+            <a:lvl1pPr algn="l" rtl="0" fontAlgn="base">
+              <a:spcBef>
+                <a:spcPct val="0"/>
+              </a:spcBef>
+              <a:spcAft>
+                <a:spcPct val="0"/>
+              </a:spcAft>
+              <a:defRPr kern="1200">
+                <a:solidFill>
+                  <a:srgbClr val="A2998A"/>
+                </a:solidFill>
+                <a:latin typeface="Segoe"/>
+                <a:ea typeface="+mn-ea"/>
+                <a:cs typeface="+mn-cs"/>
+              </a:defRPr>
+            </a:lvl1pPr>
+            <a:lvl2pPr marL="457200" algn="l" rtl="0" fontAlgn="base">
+              <a:spcBef>
+                <a:spcPct val="0"/>
+              </a:spcBef>
+              <a:spcAft>
+                <a:spcPct val="0"/>
+              </a:spcAft>
+              <a:defRPr kern="1200">
+                <a:solidFill>
+                  <a:srgbClr val="A2998A"/>
+                </a:solidFill>
+                <a:latin typeface="Segoe"/>
+                <a:ea typeface="+mn-ea"/>
+                <a:cs typeface="+mn-cs"/>
+              </a:defRPr>
+            </a:lvl2pPr>
+            <a:lvl3pPr marL="914400" algn="l" rtl="0" fontAlgn="base">
+              <a:spcBef>
+                <a:spcPct val="0"/>
+              </a:spcBef>
+              <a:spcAft>
+                <a:spcPct val="0"/>
+              </a:spcAft>
+              <a:defRPr kern="1200">
+                <a:solidFill>
+                  <a:srgbClr val="A2998A"/>
+                </a:solidFill>
+                <a:latin typeface="Segoe"/>
+                <a:ea typeface="+mn-ea"/>
+                <a:cs typeface="+mn-cs"/>
+              </a:defRPr>
+            </a:lvl3pPr>
+            <a:lvl4pPr marL="1371600" algn="l" rtl="0" fontAlgn="base">
+              <a:spcBef>
+                <a:spcPct val="0"/>
+              </a:spcBef>
+              <a:spcAft>
+                <a:spcPct val="0"/>
+              </a:spcAft>
+              <a:defRPr kern="1200">
+                <a:solidFill>
+                  <a:srgbClr val="A2998A"/>
+                </a:solidFill>
+                <a:latin typeface="Segoe"/>
+                <a:ea typeface="+mn-ea"/>
+                <a:cs typeface="+mn-cs"/>
+              </a:defRPr>
+            </a:lvl4pPr>
+            <a:lvl5pPr marL="1828800" algn="l" rtl="0" fontAlgn="base">
+              <a:spcBef>
+                <a:spcPct val="0"/>
+              </a:spcBef>
+              <a:spcAft>
+                <a:spcPct val="0"/>
+              </a:spcAft>
+              <a:defRPr kern="1200">
+                <a:solidFill>
+                  <a:srgbClr val="A2998A"/>
+                </a:solidFill>
+                <a:latin typeface="Segoe"/>
+                <a:ea typeface="+mn-ea"/>
+                <a:cs typeface="+mn-cs"/>
+              </a:defRPr>
+            </a:lvl5pPr>
+            <a:lvl6pPr marL="2286000" algn="l" defTabSz="914400" rtl="0" eaLnBrk="1" latinLnBrk="0" hangingPunct="1">
+              <a:defRPr kern="1200">
+                <a:solidFill>
+                  <a:srgbClr val="A2998A"/>
+                </a:solidFill>
+                <a:latin typeface="Segoe"/>
+                <a:ea typeface="+mn-ea"/>
+                <a:cs typeface="+mn-cs"/>
+              </a:defRPr>
+            </a:lvl6pPr>
+            <a:lvl7pPr marL="2743200" algn="l" defTabSz="914400" rtl="0" eaLnBrk="1" latinLnBrk="0" hangingPunct="1">
+              <a:defRPr kern="1200">
+                <a:solidFill>
+                  <a:srgbClr val="A2998A"/>
+                </a:solidFill>
+                <a:latin typeface="Segoe"/>
+                <a:ea typeface="+mn-ea"/>
+                <a:cs typeface="+mn-cs"/>
+              </a:defRPr>
+            </a:lvl7pPr>
+            <a:lvl8pPr marL="3200400" algn="l" defTabSz="914400" rtl="0" eaLnBrk="1" latinLnBrk="0" hangingPunct="1">
+              <a:defRPr kern="1200">
+                <a:solidFill>
+                  <a:srgbClr val="A2998A"/>
+                </a:solidFill>
+                <a:latin typeface="Segoe"/>
+                <a:ea typeface="+mn-ea"/>
+                <a:cs typeface="+mn-cs"/>
+              </a:defRPr>
+            </a:lvl8pPr>
+            <a:lvl9pPr marL="3657600" algn="l" defTabSz="914400" rtl="0" eaLnBrk="1" latinLnBrk="0" hangingPunct="1">
+              <a:defRPr kern="1200">
+                <a:solidFill>
+                  <a:srgbClr val="A2998A"/>
+                </a:solidFill>
+                <a:latin typeface="Segoe"/>
+                <a:ea typeface="+mn-ea"/>
+                <a:cs typeface="+mn-cs"/>
+              </a:defRPr>
+            </a:lvl9pPr>
+          </a:lstStyle>
+          <a:p>
+            <a:pPr marL="342871" indent="-342871">
+              <a:spcBef>
+                <a:spcPct val="20000"/>
+              </a:spcBef>
+              <a:defRPr/>
+            </a:pPr>
+            <a:r>
+              <a:rPr lang="en-US" b="1" dirty="0">
+                <a:solidFill>
+                  <a:schemeClr val="tx2">
+                    <a:lumMod val="60000"/>
+                    <a:lumOff val="40000"/>
+                  </a:schemeClr>
+                </a:solidFill>
+                <a:latin typeface="Lucida Console" pitchFamily="49" charset="0"/>
+              </a:rPr>
+              <a:t>//C#</a:t>
+            </a:r>
+          </a:p>
+          <a:p>
+            <a:r>
+              <a:rPr lang="en-AU" b="1" dirty="0">
+                <a:solidFill>
+                  <a:schemeClr val="tx2">
+                    <a:lumMod val="60000"/>
+                    <a:lumOff val="40000"/>
+                  </a:schemeClr>
+                </a:solidFill>
+                <a:latin typeface="Lucida Console" pitchFamily="49" charset="0"/>
+              </a:rPr>
+              <a:t>using System;</a:t>
+            </a:r>
+          </a:p>
+          <a:p>
+            <a:endParaRPr lang="en-AU" b="1" dirty="0">
+              <a:solidFill>
+                <a:schemeClr val="tx2">
+                  <a:lumMod val="60000"/>
+                  <a:lumOff val="40000"/>
+                </a:schemeClr>
+              </a:solidFill>
+              <a:latin typeface="Lucida Console" pitchFamily="49" charset="0"/>
+            </a:endParaRPr>
+          </a:p>
+          <a:p>
+            <a:r>
+              <a:rPr lang="en-AU" b="1" dirty="0">
+                <a:solidFill>
+                  <a:schemeClr val="tx2">
+                    <a:lumMod val="60000"/>
+                    <a:lumOff val="40000"/>
+                  </a:schemeClr>
+                </a:solidFill>
+                <a:latin typeface="Lucida Console" pitchFamily="49" charset="0"/>
+              </a:rPr>
+              <a:t>namespace ConsoleApplication1</a:t>
+            </a:r>
+          </a:p>
+          <a:p>
+            <a:r>
+              <a:rPr lang="en-AU" b="1" dirty="0">
+                <a:solidFill>
+                  <a:schemeClr val="tx2">
+                    <a:lumMod val="60000"/>
+                    <a:lumOff val="40000"/>
+                  </a:schemeClr>
+                </a:solidFill>
+                <a:latin typeface="Lucida Console" pitchFamily="49" charset="0"/>
+              </a:rPr>
+              <a:t>{</a:t>
+            </a:r>
+          </a:p>
+          <a:p>
+            <a:r>
+              <a:rPr lang="en-AU" b="1" dirty="0">
+                <a:solidFill>
+                  <a:schemeClr val="tx2">
+                    <a:lumMod val="60000"/>
+                    <a:lumOff val="40000"/>
+                  </a:schemeClr>
+                </a:solidFill>
+                <a:latin typeface="Lucida Console" pitchFamily="49" charset="0"/>
+              </a:rPr>
+              <a:t>  </a:t>
+            </a:r>
+            <a:r>
+              <a:rPr lang="en-AU" b="1" dirty="0" smtClean="0">
+                <a:solidFill>
+                  <a:schemeClr val="tx2">
+                    <a:lumMod val="60000"/>
+                    <a:lumOff val="40000"/>
+                  </a:schemeClr>
+                </a:solidFill>
+                <a:latin typeface="Lucida Console" pitchFamily="49" charset="0"/>
+              </a:rPr>
+              <a:t>class </a:t>
+            </a:r>
+            <a:r>
+              <a:rPr lang="en-AU" b="1" dirty="0">
+                <a:solidFill>
+                  <a:schemeClr val="tx2">
+                    <a:lumMod val="60000"/>
+                    <a:lumOff val="40000"/>
+                  </a:schemeClr>
+                </a:solidFill>
+                <a:latin typeface="Lucida Console" pitchFamily="49" charset="0"/>
+              </a:rPr>
+              <a:t>Program</a:t>
+            </a:r>
+          </a:p>
+          <a:p>
+            <a:r>
+              <a:rPr lang="en-AU" b="1" dirty="0">
+                <a:solidFill>
+                  <a:schemeClr val="tx2">
+                    <a:lumMod val="60000"/>
+                    <a:lumOff val="40000"/>
+                  </a:schemeClr>
+                </a:solidFill>
+                <a:latin typeface="Lucida Console" pitchFamily="49" charset="0"/>
+              </a:rPr>
+              <a:t>  </a:t>
+            </a:r>
+            <a:r>
+              <a:rPr lang="en-AU" b="1" dirty="0" smtClean="0">
+                <a:solidFill>
+                  <a:schemeClr val="tx2">
+                    <a:lumMod val="60000"/>
+                    <a:lumOff val="40000"/>
+                  </a:schemeClr>
+                </a:solidFill>
+                <a:latin typeface="Lucida Console" pitchFamily="49" charset="0"/>
+              </a:rPr>
+              <a:t>{</a:t>
+            </a:r>
+            <a:endParaRPr lang="en-AU" b="1" dirty="0">
+              <a:solidFill>
+                <a:schemeClr val="tx2">
+                  <a:lumMod val="60000"/>
+                  <a:lumOff val="40000"/>
+                </a:schemeClr>
+              </a:solidFill>
+              <a:latin typeface="Lucida Console" pitchFamily="49" charset="0"/>
+            </a:endParaRPr>
+          </a:p>
+          <a:p>
+            <a:r>
+              <a:rPr lang="en-AU" b="1" dirty="0">
+                <a:solidFill>
+                  <a:schemeClr val="tx2">
+                    <a:lumMod val="60000"/>
+                    <a:lumOff val="40000"/>
+                  </a:schemeClr>
+                </a:solidFill>
+                <a:latin typeface="Lucida Console" pitchFamily="49" charset="0"/>
+              </a:rPr>
+              <a:t>  </a:t>
+            </a:r>
+            <a:r>
+              <a:rPr lang="en-AU" b="1" dirty="0" smtClean="0">
+                <a:solidFill>
+                  <a:schemeClr val="tx2">
+                    <a:lumMod val="60000"/>
+                    <a:lumOff val="40000"/>
+                  </a:schemeClr>
+                </a:solidFill>
+                <a:latin typeface="Lucida Console" pitchFamily="49" charset="0"/>
+              </a:rPr>
+              <a:t>  </a:t>
+            </a:r>
+            <a:r>
+              <a:rPr lang="en-AU" b="1" dirty="0">
+                <a:solidFill>
+                  <a:schemeClr val="tx2">
+                    <a:lumMod val="60000"/>
+                    <a:lumOff val="40000"/>
+                  </a:schemeClr>
+                </a:solidFill>
+                <a:latin typeface="Lucida Console" pitchFamily="49" charset="0"/>
+              </a:rPr>
+              <a:t>static </a:t>
+            </a:r>
+            <a:r>
+              <a:rPr lang="en-AU" b="1" dirty="0" err="1">
+                <a:solidFill>
+                  <a:schemeClr val="tx2">
+                    <a:lumMod val="60000"/>
+                    <a:lumOff val="40000"/>
+                  </a:schemeClr>
+                </a:solidFill>
+                <a:latin typeface="Lucida Console" pitchFamily="49" charset="0"/>
+              </a:rPr>
+              <a:t>int</a:t>
+            </a:r>
+            <a:r>
+              <a:rPr lang="en-AU" b="1" dirty="0">
+                <a:solidFill>
+                  <a:schemeClr val="tx2">
+                    <a:lumMod val="60000"/>
+                    <a:lumOff val="40000"/>
+                  </a:schemeClr>
+                </a:solidFill>
+                <a:latin typeface="Lucida Console" pitchFamily="49" charset="0"/>
+              </a:rPr>
+              <a:t> </a:t>
+            </a:r>
+            <a:r>
+              <a:rPr lang="en-AU" b="1" dirty="0" err="1" smtClean="0">
+                <a:solidFill>
+                  <a:schemeClr val="tx2">
+                    <a:lumMod val="60000"/>
+                    <a:lumOff val="40000"/>
+                  </a:schemeClr>
+                </a:solidFill>
+                <a:latin typeface="Lucida Console" pitchFamily="49" charset="0"/>
+              </a:rPr>
+              <a:t>doSomething</a:t>
+            </a:r>
+            <a:r>
+              <a:rPr lang="en-AU" b="1" dirty="0" smtClean="0">
+                <a:solidFill>
+                  <a:schemeClr val="tx2">
+                    <a:lumMod val="60000"/>
+                    <a:lumOff val="40000"/>
+                  </a:schemeClr>
+                </a:solidFill>
+                <a:latin typeface="Lucida Console" pitchFamily="49" charset="0"/>
+              </a:rPr>
+              <a:t>(</a:t>
+            </a:r>
+            <a:r>
+              <a:rPr lang="en-AU" b="1" dirty="0" err="1" smtClean="0">
+                <a:solidFill>
+                  <a:schemeClr val="tx2">
+                    <a:lumMod val="60000"/>
+                    <a:lumOff val="40000"/>
+                  </a:schemeClr>
+                </a:solidFill>
+                <a:latin typeface="Lucida Console" pitchFamily="49" charset="0"/>
+              </a:rPr>
+              <a:t>int</a:t>
+            </a:r>
+            <a:r>
+              <a:rPr lang="en-AU" b="1" dirty="0" smtClean="0">
+                <a:solidFill>
+                  <a:schemeClr val="tx2">
+                    <a:lumMod val="60000"/>
+                    <a:lumOff val="40000"/>
+                  </a:schemeClr>
+                </a:solidFill>
+                <a:latin typeface="Lucida Console" pitchFamily="49" charset="0"/>
+              </a:rPr>
+              <a:t> </a:t>
+            </a:r>
+            <a:r>
+              <a:rPr lang="en-AU" b="1" dirty="0" err="1" smtClean="0">
+                <a:solidFill>
+                  <a:schemeClr val="tx2">
+                    <a:lumMod val="60000"/>
+                    <a:lumOff val="40000"/>
+                  </a:schemeClr>
+                </a:solidFill>
+                <a:latin typeface="Lucida Console" pitchFamily="49" charset="0"/>
+              </a:rPr>
+              <a:t>val</a:t>
+            </a:r>
+            <a:r>
+              <a:rPr lang="en-AU" b="1" dirty="0" smtClean="0">
+                <a:solidFill>
+                  <a:schemeClr val="tx2">
+                    <a:lumMod val="60000"/>
+                    <a:lumOff val="40000"/>
+                  </a:schemeClr>
+                </a:solidFill>
+                <a:latin typeface="Lucida Console" pitchFamily="49" charset="0"/>
+              </a:rPr>
+              <a:t>)</a:t>
+            </a:r>
+            <a:endParaRPr lang="en-AU" b="1" dirty="0">
+              <a:solidFill>
+                <a:schemeClr val="tx2">
+                  <a:lumMod val="60000"/>
+                  <a:lumOff val="40000"/>
+                </a:schemeClr>
+              </a:solidFill>
+              <a:latin typeface="Lucida Console" pitchFamily="49" charset="0"/>
+            </a:endParaRPr>
+          </a:p>
+          <a:p>
+            <a:r>
+              <a:rPr lang="en-AU" b="1" dirty="0">
+                <a:solidFill>
+                  <a:schemeClr val="tx2">
+                    <a:lumMod val="60000"/>
+                    <a:lumOff val="40000"/>
+                  </a:schemeClr>
+                </a:solidFill>
+                <a:latin typeface="Lucida Console" pitchFamily="49" charset="0"/>
+              </a:rPr>
+              <a:t>  </a:t>
+            </a:r>
+            <a:r>
+              <a:rPr lang="en-AU" b="1" dirty="0" smtClean="0">
+                <a:solidFill>
+                  <a:schemeClr val="tx2">
+                    <a:lumMod val="60000"/>
+                    <a:lumOff val="40000"/>
+                  </a:schemeClr>
+                </a:solidFill>
+                <a:latin typeface="Lucida Console" pitchFamily="49" charset="0"/>
+              </a:rPr>
+              <a:t>  </a:t>
+            </a:r>
+            <a:r>
+              <a:rPr lang="en-AU" b="1" dirty="0">
+                <a:solidFill>
+                  <a:schemeClr val="tx2">
+                    <a:lumMod val="60000"/>
+                    <a:lumOff val="40000"/>
+                  </a:schemeClr>
+                </a:solidFill>
+                <a:latin typeface="Lucida Console" pitchFamily="49" charset="0"/>
+              </a:rPr>
+              <a:t>{</a:t>
+            </a:r>
+          </a:p>
+          <a:p>
+            <a:r>
+              <a:rPr lang="en-AU" b="1" dirty="0">
+                <a:solidFill>
+                  <a:schemeClr val="tx2">
+                    <a:lumMod val="60000"/>
+                    <a:lumOff val="40000"/>
+                  </a:schemeClr>
+                </a:solidFill>
+                <a:latin typeface="Lucida Console" pitchFamily="49" charset="0"/>
+              </a:rPr>
+              <a:t>  </a:t>
+            </a:r>
+            <a:r>
+              <a:rPr lang="en-AU" b="1" dirty="0" smtClean="0">
+                <a:solidFill>
+                  <a:schemeClr val="tx2">
+                    <a:lumMod val="60000"/>
+                    <a:lumOff val="40000"/>
+                  </a:schemeClr>
+                </a:solidFill>
+                <a:latin typeface="Lucida Console" pitchFamily="49" charset="0"/>
+              </a:rPr>
+              <a:t>      </a:t>
+            </a:r>
+            <a:r>
+              <a:rPr lang="en-AU" b="1" dirty="0">
+                <a:solidFill>
+                  <a:schemeClr val="tx2">
+                    <a:lumMod val="60000"/>
+                    <a:lumOff val="40000"/>
+                  </a:schemeClr>
+                </a:solidFill>
+                <a:latin typeface="Lucida Console" pitchFamily="49" charset="0"/>
+              </a:rPr>
+              <a:t>return </a:t>
+            </a:r>
+            <a:r>
+              <a:rPr lang="en-AU" b="1" dirty="0" err="1" smtClean="0">
+                <a:solidFill>
+                  <a:schemeClr val="tx2">
+                    <a:lumMod val="60000"/>
+                    <a:lumOff val="40000"/>
+                  </a:schemeClr>
+                </a:solidFill>
+                <a:latin typeface="Lucida Console" pitchFamily="49" charset="0"/>
+              </a:rPr>
+              <a:t>val</a:t>
+            </a:r>
+            <a:r>
+              <a:rPr lang="en-AU" b="1" dirty="0" smtClean="0">
+                <a:solidFill>
+                  <a:schemeClr val="tx2">
+                    <a:lumMod val="60000"/>
+                    <a:lumOff val="40000"/>
+                  </a:schemeClr>
+                </a:solidFill>
+                <a:latin typeface="Lucida Console" pitchFamily="49" charset="0"/>
+              </a:rPr>
+              <a:t> + </a:t>
+            </a:r>
+            <a:r>
+              <a:rPr lang="en-AU" b="1" dirty="0" err="1" smtClean="0">
+                <a:solidFill>
+                  <a:schemeClr val="tx2">
+                    <a:lumMod val="60000"/>
+                    <a:lumOff val="40000"/>
+                  </a:schemeClr>
+                </a:solidFill>
+                <a:latin typeface="Lucida Console" pitchFamily="49" charset="0"/>
+              </a:rPr>
+              <a:t>val</a:t>
+            </a:r>
+            <a:r>
+              <a:rPr lang="en-AU" b="1" dirty="0" smtClean="0">
+                <a:solidFill>
+                  <a:schemeClr val="tx2">
+                    <a:lumMod val="60000"/>
+                    <a:lumOff val="40000"/>
+                  </a:schemeClr>
+                </a:solidFill>
+                <a:latin typeface="Lucida Console" pitchFamily="49" charset="0"/>
+              </a:rPr>
+              <a:t>;</a:t>
+            </a:r>
+            <a:endParaRPr lang="en-AU" b="1" dirty="0">
+              <a:solidFill>
+                <a:schemeClr val="tx2">
+                  <a:lumMod val="60000"/>
+                  <a:lumOff val="40000"/>
+                </a:schemeClr>
+              </a:solidFill>
+              <a:latin typeface="Lucida Console" pitchFamily="49" charset="0"/>
+            </a:endParaRPr>
+          </a:p>
+          <a:p>
+            <a:r>
+              <a:rPr lang="en-AU" b="1" dirty="0">
+                <a:solidFill>
+                  <a:schemeClr val="tx2">
+                    <a:lumMod val="60000"/>
+                    <a:lumOff val="40000"/>
+                  </a:schemeClr>
+                </a:solidFill>
+                <a:latin typeface="Lucida Console" pitchFamily="49" charset="0"/>
+              </a:rPr>
+              <a:t>  </a:t>
+            </a:r>
+            <a:r>
+              <a:rPr lang="en-AU" b="1" dirty="0" smtClean="0">
+                <a:solidFill>
+                  <a:schemeClr val="tx2">
+                    <a:lumMod val="60000"/>
+                    <a:lumOff val="40000"/>
+                  </a:schemeClr>
+                </a:solidFill>
+                <a:latin typeface="Lucida Console" pitchFamily="49" charset="0"/>
+              </a:rPr>
+              <a:t>  </a:t>
+            </a:r>
+            <a:r>
+              <a:rPr lang="en-AU" b="1" dirty="0">
+                <a:solidFill>
+                  <a:schemeClr val="tx2">
+                    <a:lumMod val="60000"/>
+                    <a:lumOff val="40000"/>
+                  </a:schemeClr>
+                </a:solidFill>
+                <a:latin typeface="Lucida Console" pitchFamily="49" charset="0"/>
+              </a:rPr>
+              <a:t>}</a:t>
+            </a:r>
+          </a:p>
+          <a:p>
+            <a:r>
+              <a:rPr lang="en-AU" b="1" dirty="0" smtClean="0">
+                <a:solidFill>
+                  <a:schemeClr val="tx2">
+                    <a:lumMod val="60000"/>
+                    <a:lumOff val="40000"/>
+                  </a:schemeClr>
+                </a:solidFill>
+                <a:latin typeface="Lucida Console" pitchFamily="49" charset="0"/>
+              </a:rPr>
+              <a:t>    </a:t>
+            </a:r>
+            <a:r>
+              <a:rPr lang="en-AU" b="1" dirty="0">
+                <a:solidFill>
+                  <a:schemeClr val="tx2">
+                    <a:lumMod val="60000"/>
+                    <a:lumOff val="40000"/>
+                  </a:schemeClr>
+                </a:solidFill>
+                <a:latin typeface="Lucida Console" pitchFamily="49" charset="0"/>
+              </a:rPr>
+              <a:t>static void Main(string[] </a:t>
+            </a:r>
+            <a:r>
+              <a:rPr lang="en-AU" b="1" dirty="0" err="1">
+                <a:solidFill>
+                  <a:schemeClr val="tx2">
+                    <a:lumMod val="60000"/>
+                    <a:lumOff val="40000"/>
+                  </a:schemeClr>
+                </a:solidFill>
+                <a:latin typeface="Lucida Console" pitchFamily="49" charset="0"/>
+              </a:rPr>
+              <a:t>args</a:t>
+            </a:r>
+            <a:r>
+              <a:rPr lang="en-AU" b="1" dirty="0">
+                <a:solidFill>
+                  <a:schemeClr val="tx2">
+                    <a:lumMod val="60000"/>
+                    <a:lumOff val="40000"/>
+                  </a:schemeClr>
+                </a:solidFill>
+                <a:latin typeface="Lucida Console" pitchFamily="49" charset="0"/>
+              </a:rPr>
+              <a:t>)</a:t>
+            </a:r>
+          </a:p>
+          <a:p>
+            <a:r>
+              <a:rPr lang="en-AU" b="1" dirty="0" smtClean="0">
+                <a:solidFill>
+                  <a:schemeClr val="tx2">
+                    <a:lumMod val="60000"/>
+                    <a:lumOff val="40000"/>
+                  </a:schemeClr>
+                </a:solidFill>
+                <a:latin typeface="Lucida Console" pitchFamily="49" charset="0"/>
+              </a:rPr>
+              <a:t>    </a:t>
+            </a:r>
+            <a:r>
+              <a:rPr lang="en-AU" b="1" dirty="0">
+                <a:solidFill>
+                  <a:schemeClr val="tx2">
+                    <a:lumMod val="60000"/>
+                    <a:lumOff val="40000"/>
+                  </a:schemeClr>
+                </a:solidFill>
+                <a:latin typeface="Lucida Console" pitchFamily="49" charset="0"/>
+              </a:rPr>
+              <a:t>{</a:t>
+            </a:r>
+          </a:p>
+          <a:p>
+            <a:r>
+              <a:rPr lang="en-AU" b="1" dirty="0" smtClean="0">
+                <a:solidFill>
+                  <a:schemeClr val="tx2">
+                    <a:lumMod val="60000"/>
+                    <a:lumOff val="40000"/>
+                  </a:schemeClr>
+                </a:solidFill>
+                <a:latin typeface="Lucida Console" pitchFamily="49" charset="0"/>
+              </a:rPr>
+              <a:t>        </a:t>
+            </a:r>
+            <a:r>
+              <a:rPr lang="en-AU" b="1" dirty="0" err="1">
+                <a:solidFill>
+                  <a:schemeClr val="tx2">
+                    <a:lumMod val="60000"/>
+                    <a:lumOff val="40000"/>
+                  </a:schemeClr>
+                </a:solidFill>
+                <a:latin typeface="Lucida Console" pitchFamily="49" charset="0"/>
+              </a:rPr>
+              <a:t>Console.WriteLine</a:t>
+            </a:r>
+            <a:r>
+              <a:rPr lang="en-AU" b="1" dirty="0" smtClean="0">
+                <a:solidFill>
+                  <a:schemeClr val="tx2">
+                    <a:lumMod val="60000"/>
+                    <a:lumOff val="40000"/>
+                  </a:schemeClr>
+                </a:solidFill>
+                <a:latin typeface="Lucida Console" pitchFamily="49" charset="0"/>
+              </a:rPr>
+              <a:t>(</a:t>
+            </a:r>
+          </a:p>
+          <a:p>
+            <a:r>
+              <a:rPr lang="en-AU" b="1" dirty="0">
+                <a:solidFill>
+                  <a:schemeClr val="tx2">
+                    <a:lumMod val="60000"/>
+                    <a:lumOff val="40000"/>
+                  </a:schemeClr>
+                </a:solidFill>
+                <a:latin typeface="Lucida Console" pitchFamily="49" charset="0"/>
+              </a:rPr>
+              <a:t> </a:t>
+            </a:r>
+            <a:r>
+              <a:rPr lang="en-AU" b="1" dirty="0" smtClean="0">
+                <a:solidFill>
+                  <a:schemeClr val="tx2">
+                    <a:lumMod val="60000"/>
+                    <a:lumOff val="40000"/>
+                  </a:schemeClr>
+                </a:solidFill>
+                <a:latin typeface="Lucida Console" pitchFamily="49" charset="0"/>
+              </a:rPr>
+              <a:t>           </a:t>
+            </a:r>
+            <a:r>
+              <a:rPr lang="en-AU" b="1" dirty="0" err="1" smtClean="0">
+                <a:solidFill>
+                  <a:schemeClr val="tx2">
+                    <a:lumMod val="60000"/>
+                    <a:lumOff val="40000"/>
+                  </a:schemeClr>
+                </a:solidFill>
+                <a:latin typeface="Lucida Console" pitchFamily="49" charset="0"/>
+              </a:rPr>
+              <a:t>doSomething</a:t>
+            </a:r>
+            <a:r>
+              <a:rPr lang="en-AU" b="1" dirty="0" smtClean="0">
+                <a:solidFill>
+                  <a:schemeClr val="tx2">
+                    <a:lumMod val="60000"/>
+                    <a:lumOff val="40000"/>
+                  </a:schemeClr>
+                </a:solidFill>
+                <a:latin typeface="Lucida Console" pitchFamily="49" charset="0"/>
+              </a:rPr>
+              <a:t>(1)</a:t>
+            </a:r>
+            <a:r>
+              <a:rPr lang="en-AU" b="1" dirty="0" smtClean="0">
+                <a:solidFill>
+                  <a:schemeClr val="tx2">
+                    <a:lumMod val="60000"/>
+                    <a:lumOff val="40000"/>
+                  </a:schemeClr>
+                </a:solidFill>
+                <a:latin typeface="Lucida Console" pitchFamily="49" charset="0"/>
+              </a:rPr>
+              <a:t>);            </a:t>
+            </a:r>
+            <a:endParaRPr lang="en-AU" b="1" dirty="0">
+              <a:solidFill>
+                <a:schemeClr val="tx2">
+                  <a:lumMod val="60000"/>
+                  <a:lumOff val="40000"/>
+                </a:schemeClr>
+              </a:solidFill>
+              <a:latin typeface="Lucida Console" pitchFamily="49" charset="0"/>
+            </a:endParaRPr>
+          </a:p>
+          <a:p>
+            <a:r>
+              <a:rPr lang="en-AU" b="1" dirty="0" smtClean="0">
+                <a:solidFill>
+                  <a:schemeClr val="tx2">
+                    <a:lumMod val="60000"/>
+                    <a:lumOff val="40000"/>
+                  </a:schemeClr>
+                </a:solidFill>
+                <a:latin typeface="Lucida Console" pitchFamily="49" charset="0"/>
+              </a:rPr>
+              <a:t>    </a:t>
+            </a:r>
+            <a:r>
+              <a:rPr lang="en-AU" b="1" dirty="0">
+                <a:solidFill>
+                  <a:schemeClr val="tx2">
+                    <a:lumMod val="60000"/>
+                    <a:lumOff val="40000"/>
+                  </a:schemeClr>
+                </a:solidFill>
+                <a:latin typeface="Lucida Console" pitchFamily="49" charset="0"/>
+              </a:rPr>
+              <a:t>}</a:t>
+            </a:r>
+          </a:p>
+          <a:p>
+            <a:r>
+              <a:rPr lang="en-AU" b="1" dirty="0" smtClean="0">
+                <a:solidFill>
+                  <a:schemeClr val="tx2">
+                    <a:lumMod val="60000"/>
+                    <a:lumOff val="40000"/>
+                  </a:schemeClr>
+                </a:solidFill>
+                <a:latin typeface="Lucida Console" pitchFamily="49" charset="0"/>
+              </a:rPr>
+              <a:t>  </a:t>
+            </a:r>
+            <a:r>
+              <a:rPr lang="en-AU" b="1" dirty="0">
+                <a:solidFill>
+                  <a:schemeClr val="tx2">
+                    <a:lumMod val="60000"/>
+                    <a:lumOff val="40000"/>
+                  </a:schemeClr>
+                </a:solidFill>
+                <a:latin typeface="Lucida Console" pitchFamily="49" charset="0"/>
+              </a:rPr>
+              <a:t>}</a:t>
+            </a:r>
+          </a:p>
+          <a:p>
+            <a:r>
+              <a:rPr lang="en-AU" b="1" dirty="0" smtClean="0">
+                <a:solidFill>
+                  <a:schemeClr val="tx2">
+                    <a:lumMod val="60000"/>
+                    <a:lumOff val="40000"/>
+                  </a:schemeClr>
+                </a:solidFill>
+                <a:latin typeface="Lucida Console" pitchFamily="49" charset="0"/>
+              </a:rPr>
+              <a:t>}</a:t>
+            </a:r>
+            <a:endParaRPr lang="en-AU" b="1" dirty="0">
+              <a:solidFill>
+                <a:schemeClr val="tx2">
+                  <a:lumMod val="60000"/>
+                  <a:lumOff val="40000"/>
+                </a:schemeClr>
+              </a:solidFill>
+              <a:latin typeface="Lucida Console" pitchFamily="49" charset="0"/>
+            </a:endParaRPr>
           </a:p>
         </p:txBody>
       </p:sp>
@@ -17199,76 +18789,29 @@
             <p:ph type="title"/>
           </p:nvPr>
         </p:nvSpPr>
-        <p:spPr/>
-        <p:txBody>
-          <a:bodyPr/>
-          <a:lstStyle/>
-          <a:p>
-            <a:r>
-              <a:rPr lang="en-US" dirty="0" smtClean="0">
-                <a:solidFill>
-                  <a:schemeClr val="accent5">
-                    <a:lumMod val="50000"/>
-                  </a:schemeClr>
-                </a:solidFill>
-              </a:rPr>
-              <a:t>Whitespace Matters</a:t>
-            </a:r>
-            <a:endParaRPr lang="en-US" dirty="0"/>
-          </a:p>
-        </p:txBody>
-      </p:sp>
-      <p:sp>
-        <p:nvSpPr>
-          <p:cNvPr id="3" name="Content Placeholder 2"/>
-          <p:cNvSpPr>
-            <a:spLocks noGrp="1"/>
-          </p:cNvSpPr>
-          <p:nvPr>
-            <p:ph idx="1"/>
-          </p:nvPr>
-        </p:nvSpPr>
-        <p:spPr/>
+        <p:spPr>
+          <a:xfrm>
+            <a:off x="1043490" y="1027664"/>
+            <a:ext cx="7024744" cy="724936"/>
+          </a:xfrm>
+        </p:spPr>
         <p:txBody>
           <a:bodyPr>
             <a:normAutofit/>
           </a:bodyPr>
           <a:lstStyle/>
           <a:p>
-            <a:pPr marL="68580" indent="0">
-              <a:buNone/>
-            </a:pPr>
-            <a:r>
-              <a:rPr lang="en-US" dirty="0" smtClean="0"/>
-              <a:t>let </a:t>
-            </a:r>
-            <a:r>
-              <a:rPr lang="en-US" dirty="0" err="1" smtClean="0"/>
-              <a:t>myFunction</a:t>
-            </a:r>
-            <a:r>
-              <a:rPr lang="en-US" dirty="0" smtClean="0"/>
-              <a:t> x = </a:t>
-            </a:r>
-          </a:p>
-          <a:p>
-            <a:pPr marL="68580" indent="0">
-              <a:buNone/>
-            </a:pPr>
-            <a:r>
-              <a:rPr lang="en-US" dirty="0"/>
-              <a:t> </a:t>
-            </a:r>
-            <a:r>
-              <a:rPr lang="en-US" dirty="0" smtClean="0"/>
-              <a:t>   x + x</a:t>
-            </a:r>
-          </a:p>
-          <a:p>
-            <a:pPr marL="68580" indent="0">
-              <a:buNone/>
-            </a:pPr>
-            <a:endParaRPr lang="en-US" dirty="0" smtClean="0"/>
+            <a:r>
+              <a:rPr lang="en-US" dirty="0" smtClean="0">
+                <a:solidFill>
+                  <a:schemeClr val="accent5">
+                    <a:lumMod val="50000"/>
+                  </a:schemeClr>
+                </a:solidFill>
+              </a:rPr>
+              <a:t>The let Keyword</a:t>
+            </a:r>
+            <a:endParaRPr lang="en-US" dirty="0"/>
           </a:p>
         </p:txBody>
       </p:sp>
@@ -17290,27 +18833,8 @@
             <a:fld id="{05A93482-8E69-40F7-BCAD-5662A6CADB27}" type="datetime4">
               <a:rPr lang="en-US" smtClean="0"/>
               <a:pPr/>
-              <a:t>October 12, 2010</a:t>
+              <a:t>October 13, 2010</a:t>
             </a:fld>
-            <a:endParaRPr lang="en-US"/>
-          </a:p>
-        </p:txBody>
-      </p:sp>
-      <p:sp>
-        <p:nvSpPr>
-          <p:cNvPr id="5" name="Footer Placeholder 4"/>
-          <p:cNvSpPr>
-            <a:spLocks noGrp="1"/>
-          </p:cNvSpPr>
-          <p:nvPr>
-            <p:ph type="ftr" sz="quarter" idx="11"/>
-          </p:nvPr>
-        </p:nvSpPr>
-        <p:spPr/>
-        <p:txBody>
-          <a:bodyPr/>
-          <a:lstStyle/>
-          <a:p>
             <a:endParaRPr lang="en-US"/>
           </a:p>
         </p:txBody>
@@ -17339,10 +18863,1332 @@
           </a:p>
         </p:txBody>
       </p:sp>
+      <p:sp>
+        <p:nvSpPr>
+          <p:cNvPr id="7" name="Content Placeholder 2"/>
+          <p:cNvSpPr>
+            <a:spLocks noGrp="1"/>
+          </p:cNvSpPr>
+          <p:nvPr/>
+        </p:nvSpPr>
+        <p:spPr bwMode="auto">
+          <a:xfrm>
+            <a:off x="391851" y="1633550"/>
+            <a:ext cx="3614735" cy="4978565"/>
+          </a:xfrm>
+          <a:prstGeom prst="rect">
+            <a:avLst/>
+          </a:prstGeom>
+          <a:noFill/>
+          <a:ln w="9525">
+            <a:noFill/>
+            <a:miter lim="800000"/>
+            <a:headEnd/>
+            <a:tailEnd/>
+          </a:ln>
+        </p:spPr>
+        <p:txBody>
+          <a:bodyPr vert="horz" wrap="square" lIns="91440" tIns="45720" rIns="91440" bIns="45720" numCol="1" anchor="t" anchorCtr="0" compatLnSpc="1">
+            <a:prstTxWarp prst="textNoShape">
+              <a:avLst/>
+            </a:prstTxWarp>
+            <a:normAutofit/>
+          </a:bodyPr>
+          <a:lstStyle>
+            <a:lvl1pPr marL="342900" indent="-342900" algn="l" rtl="0" eaLnBrk="0" fontAlgn="base" hangingPunct="0">
+              <a:spcBef>
+                <a:spcPct val="20000"/>
+              </a:spcBef>
+              <a:spcAft>
+                <a:spcPct val="0"/>
+              </a:spcAft>
+              <a:buClr>
+                <a:schemeClr val="accent1"/>
+              </a:buClr>
+              <a:buChar char="•"/>
+              <a:defRPr sz="2400">
+                <a:solidFill>
+                  <a:schemeClr val="bg1"/>
+                </a:solidFill>
+                <a:latin typeface="+mn-lt"/>
+                <a:ea typeface="+mn-ea"/>
+                <a:cs typeface="+mn-cs"/>
+              </a:defRPr>
+            </a:lvl1pPr>
+            <a:lvl2pPr marL="742950" indent="-285750" algn="l" rtl="0" eaLnBrk="0" fontAlgn="base" hangingPunct="0">
+              <a:spcBef>
+                <a:spcPct val="20000"/>
+              </a:spcBef>
+              <a:spcAft>
+                <a:spcPct val="0"/>
+              </a:spcAft>
+              <a:buClr>
+                <a:schemeClr val="accent1"/>
+              </a:buClr>
+              <a:buChar char="•"/>
+              <a:defRPr sz="2000">
+                <a:solidFill>
+                  <a:schemeClr val="bg1"/>
+                </a:solidFill>
+                <a:latin typeface="+mn-lt"/>
+              </a:defRPr>
+            </a:lvl2pPr>
+            <a:lvl3pPr marL="1143000" indent="-228600" algn="l" rtl="0" eaLnBrk="0" fontAlgn="base" hangingPunct="0">
+              <a:spcBef>
+                <a:spcPct val="20000"/>
+              </a:spcBef>
+              <a:spcAft>
+                <a:spcPct val="0"/>
+              </a:spcAft>
+              <a:buClr>
+                <a:schemeClr val="accent1"/>
+              </a:buClr>
+              <a:buChar char="•"/>
+              <a:defRPr sz="2400">
+                <a:solidFill>
+                  <a:schemeClr val="bg1"/>
+                </a:solidFill>
+                <a:latin typeface="+mn-lt"/>
+              </a:defRPr>
+            </a:lvl3pPr>
+            <a:lvl4pPr marL="1600200" indent="-228600" algn="l" rtl="0" eaLnBrk="0" fontAlgn="base" hangingPunct="0">
+              <a:spcBef>
+                <a:spcPct val="20000"/>
+              </a:spcBef>
+              <a:spcAft>
+                <a:spcPct val="0"/>
+              </a:spcAft>
+              <a:buClr>
+                <a:schemeClr val="accent1"/>
+              </a:buClr>
+              <a:buChar char="•"/>
+              <a:defRPr sz="2000">
+                <a:solidFill>
+                  <a:schemeClr val="bg1"/>
+                </a:solidFill>
+                <a:latin typeface="+mn-lt"/>
+              </a:defRPr>
+            </a:lvl4pPr>
+            <a:lvl5pPr marL="2057400" indent="-228600" algn="l" rtl="0" eaLnBrk="0" fontAlgn="base" hangingPunct="0">
+              <a:spcBef>
+                <a:spcPct val="20000"/>
+              </a:spcBef>
+              <a:spcAft>
+                <a:spcPct val="0"/>
+              </a:spcAft>
+              <a:buClr>
+                <a:schemeClr val="accent1"/>
+              </a:buClr>
+              <a:buChar char="•"/>
+              <a:defRPr sz="2000">
+                <a:solidFill>
+                  <a:schemeClr val="bg1"/>
+                </a:solidFill>
+                <a:latin typeface="+mn-lt"/>
+              </a:defRPr>
+            </a:lvl5pPr>
+            <a:lvl6pPr marL="2514600" indent="-228600" algn="l" rtl="0" eaLnBrk="1" fontAlgn="base" hangingPunct="1">
+              <a:spcBef>
+                <a:spcPct val="20000"/>
+              </a:spcBef>
+              <a:spcAft>
+                <a:spcPct val="0"/>
+              </a:spcAft>
+              <a:buClr>
+                <a:schemeClr val="tx2"/>
+              </a:buClr>
+              <a:buChar char="•"/>
+              <a:defRPr>
+                <a:solidFill>
+                  <a:schemeClr val="tx1"/>
+                </a:solidFill>
+                <a:latin typeface="+mn-lt"/>
+              </a:defRPr>
+            </a:lvl6pPr>
+            <a:lvl7pPr marL="2971800" indent="-228600" algn="l" rtl="0" eaLnBrk="1" fontAlgn="base" hangingPunct="1">
+              <a:spcBef>
+                <a:spcPct val="20000"/>
+              </a:spcBef>
+              <a:spcAft>
+                <a:spcPct val="0"/>
+              </a:spcAft>
+              <a:buClr>
+                <a:schemeClr val="tx2"/>
+              </a:buClr>
+              <a:buChar char="•"/>
+              <a:defRPr>
+                <a:solidFill>
+                  <a:schemeClr val="tx1"/>
+                </a:solidFill>
+                <a:latin typeface="+mn-lt"/>
+              </a:defRPr>
+            </a:lvl7pPr>
+            <a:lvl8pPr marL="3429000" indent="-228600" algn="l" rtl="0" eaLnBrk="1" fontAlgn="base" hangingPunct="1">
+              <a:spcBef>
+                <a:spcPct val="20000"/>
+              </a:spcBef>
+              <a:spcAft>
+                <a:spcPct val="0"/>
+              </a:spcAft>
+              <a:buClr>
+                <a:schemeClr val="tx2"/>
+              </a:buClr>
+              <a:buChar char="•"/>
+              <a:defRPr>
+                <a:solidFill>
+                  <a:schemeClr val="tx1"/>
+                </a:solidFill>
+                <a:latin typeface="+mn-lt"/>
+              </a:defRPr>
+            </a:lvl8pPr>
+            <a:lvl9pPr marL="3886200" indent="-228600" algn="l" rtl="0" eaLnBrk="1" fontAlgn="base" hangingPunct="1">
+              <a:spcBef>
+                <a:spcPct val="20000"/>
+              </a:spcBef>
+              <a:spcAft>
+                <a:spcPct val="0"/>
+              </a:spcAft>
+              <a:buClr>
+                <a:schemeClr val="tx2"/>
+              </a:buClr>
+              <a:buChar char="•"/>
+              <a:defRPr>
+                <a:solidFill>
+                  <a:schemeClr val="tx1"/>
+                </a:solidFill>
+                <a:latin typeface="+mn-lt"/>
+              </a:defRPr>
+            </a:lvl9pPr>
+          </a:lstStyle>
+          <a:p>
+            <a:pPr>
+              <a:buNone/>
+            </a:pPr>
+            <a:r>
+              <a:rPr lang="en-US" sz="1800" b="1" dirty="0" smtClean="0">
+                <a:solidFill>
+                  <a:schemeClr val="accent5">
+                    <a:lumMod val="50000"/>
+                  </a:schemeClr>
+                </a:solidFill>
+                <a:latin typeface="Lucida Console" pitchFamily="49" charset="0"/>
+              </a:rPr>
+              <a:t>//F#</a:t>
+            </a:r>
+          </a:p>
+          <a:p>
+            <a:pPr>
+              <a:buNone/>
+            </a:pPr>
+            <a:r>
+              <a:rPr lang="en-AU" sz="1800" b="1" dirty="0" smtClean="0">
+                <a:solidFill>
+                  <a:schemeClr val="accent5">
+                    <a:lumMod val="50000"/>
+                  </a:schemeClr>
+                </a:solidFill>
+                <a:latin typeface="Lucida Console" pitchFamily="49" charset="0"/>
+              </a:rPr>
+              <a:t>open </a:t>
+            </a:r>
+            <a:r>
+              <a:rPr lang="en-AU" sz="1800" b="1" dirty="0">
+                <a:solidFill>
+                  <a:schemeClr val="accent5">
+                    <a:lumMod val="50000"/>
+                  </a:schemeClr>
+                </a:solidFill>
+                <a:latin typeface="Lucida Console" pitchFamily="49" charset="0"/>
+              </a:rPr>
+              <a:t>System</a:t>
+            </a:r>
+          </a:p>
+          <a:p>
+            <a:pPr>
+              <a:buNone/>
+            </a:pPr>
+            <a:r>
+              <a:rPr lang="en-AU" sz="1800" b="1" dirty="0">
+                <a:solidFill>
+                  <a:schemeClr val="accent5">
+                    <a:lumMod val="50000"/>
+                  </a:schemeClr>
+                </a:solidFill>
+                <a:latin typeface="Lucida Console" pitchFamily="49" charset="0"/>
+              </a:rPr>
+              <a:t>let </a:t>
+            </a:r>
+            <a:r>
+              <a:rPr lang="en-AU" sz="1800" b="1" dirty="0" err="1" smtClean="0">
+                <a:solidFill>
+                  <a:schemeClr val="accent5">
+                    <a:lumMod val="50000"/>
+                  </a:schemeClr>
+                </a:solidFill>
+                <a:latin typeface="Lucida Console" pitchFamily="49" charset="0"/>
+              </a:rPr>
+              <a:t>doSomething</a:t>
+            </a:r>
+            <a:r>
+              <a:rPr lang="en-AU" sz="1800" b="1" dirty="0" smtClean="0">
+                <a:solidFill>
+                  <a:schemeClr val="accent5">
+                    <a:lumMod val="50000"/>
+                  </a:schemeClr>
+                </a:solidFill>
+                <a:latin typeface="Lucida Console" pitchFamily="49" charset="0"/>
+              </a:rPr>
+              <a:t> </a:t>
+            </a:r>
+            <a:r>
+              <a:rPr lang="en-AU" sz="1800" b="1" dirty="0" err="1" smtClean="0">
+                <a:solidFill>
+                  <a:schemeClr val="accent5">
+                    <a:lumMod val="50000"/>
+                  </a:schemeClr>
+                </a:solidFill>
+                <a:latin typeface="Lucida Console" pitchFamily="49" charset="0"/>
+              </a:rPr>
+              <a:t>val</a:t>
+            </a:r>
+            <a:r>
+              <a:rPr lang="en-AU" sz="1800" b="1" dirty="0" smtClean="0">
+                <a:solidFill>
+                  <a:schemeClr val="accent5">
+                    <a:lumMod val="50000"/>
+                  </a:schemeClr>
+                </a:solidFill>
+                <a:latin typeface="Lucida Console" pitchFamily="49" charset="0"/>
+              </a:rPr>
+              <a:t> = </a:t>
+            </a:r>
+          </a:p>
+          <a:p>
+            <a:pPr>
+              <a:buNone/>
+            </a:pPr>
+            <a:r>
+              <a:rPr lang="en-AU" sz="1800" b="1" dirty="0">
+                <a:solidFill>
+                  <a:schemeClr val="accent5">
+                    <a:lumMod val="50000"/>
+                  </a:schemeClr>
+                </a:solidFill>
+                <a:latin typeface="Lucida Console" pitchFamily="49" charset="0"/>
+              </a:rPr>
+              <a:t> </a:t>
+            </a:r>
+            <a:r>
+              <a:rPr lang="en-AU" sz="1800" b="1" dirty="0" smtClean="0">
+                <a:solidFill>
+                  <a:schemeClr val="accent5">
+                    <a:lumMod val="50000"/>
+                  </a:schemeClr>
+                </a:solidFill>
+                <a:latin typeface="Lucida Console" pitchFamily="49" charset="0"/>
+              </a:rPr>
+              <a:t>   </a:t>
+            </a:r>
+            <a:r>
+              <a:rPr lang="en-AU" sz="1800" b="1" dirty="0" err="1" smtClean="0">
+                <a:solidFill>
+                  <a:schemeClr val="accent5">
+                    <a:lumMod val="50000"/>
+                  </a:schemeClr>
+                </a:solidFill>
+                <a:latin typeface="Lucida Console" pitchFamily="49" charset="0"/>
+              </a:rPr>
+              <a:t>val</a:t>
+            </a:r>
+            <a:r>
+              <a:rPr lang="en-AU" sz="1800" b="1" dirty="0" smtClean="0">
+                <a:solidFill>
+                  <a:schemeClr val="accent5">
+                    <a:lumMod val="50000"/>
+                  </a:schemeClr>
+                </a:solidFill>
+                <a:latin typeface="Lucida Console" pitchFamily="49" charset="0"/>
+              </a:rPr>
+              <a:t> + </a:t>
+            </a:r>
+            <a:r>
+              <a:rPr lang="en-AU" sz="1800" b="1" dirty="0" err="1" smtClean="0">
+                <a:solidFill>
+                  <a:schemeClr val="accent5">
+                    <a:lumMod val="50000"/>
+                  </a:schemeClr>
+                </a:solidFill>
+                <a:latin typeface="Lucida Console" pitchFamily="49" charset="0"/>
+              </a:rPr>
+              <a:t>val</a:t>
+            </a:r>
+            <a:endParaRPr lang="en-AU" sz="1800" b="1" dirty="0">
+              <a:solidFill>
+                <a:schemeClr val="accent5">
+                  <a:lumMod val="50000"/>
+                </a:schemeClr>
+              </a:solidFill>
+              <a:latin typeface="Lucida Console" pitchFamily="49" charset="0"/>
+            </a:endParaRPr>
+          </a:p>
+          <a:p>
+            <a:pPr>
+              <a:buNone/>
+            </a:pPr>
+            <a:r>
+              <a:rPr lang="en-AU" sz="1800" b="1" dirty="0" err="1" smtClean="0">
+                <a:solidFill>
+                  <a:schemeClr val="accent5">
+                    <a:lumMod val="50000"/>
+                  </a:schemeClr>
+                </a:solidFill>
+                <a:latin typeface="Lucida Console" pitchFamily="49" charset="0"/>
+              </a:rPr>
+              <a:t>Console.WriteLine</a:t>
+            </a:r>
+            <a:r>
+              <a:rPr lang="en-AU" sz="1800" b="1" dirty="0" smtClean="0">
+                <a:solidFill>
+                  <a:schemeClr val="accent5">
+                    <a:lumMod val="50000"/>
+                  </a:schemeClr>
+                </a:solidFill>
+                <a:latin typeface="Lucida Console" pitchFamily="49" charset="0"/>
+              </a:rPr>
+              <a:t> </a:t>
+            </a:r>
+          </a:p>
+          <a:p>
+            <a:pPr>
+              <a:buNone/>
+            </a:pPr>
+            <a:r>
+              <a:rPr lang="en-AU" sz="1800" b="1" dirty="0">
+                <a:solidFill>
+                  <a:schemeClr val="accent5">
+                    <a:lumMod val="50000"/>
+                  </a:schemeClr>
+                </a:solidFill>
+                <a:latin typeface="Lucida Console" pitchFamily="49" charset="0"/>
+              </a:rPr>
+              <a:t> </a:t>
+            </a:r>
+            <a:r>
+              <a:rPr lang="en-AU" sz="1800" b="1" dirty="0" smtClean="0">
+                <a:solidFill>
+                  <a:schemeClr val="accent5">
+                    <a:lumMod val="50000"/>
+                  </a:schemeClr>
+                </a:solidFill>
+                <a:latin typeface="Lucida Console" pitchFamily="49" charset="0"/>
+              </a:rPr>
+              <a:t>   (</a:t>
+            </a:r>
+            <a:r>
+              <a:rPr lang="en-AU" sz="1800" b="1" dirty="0" err="1" smtClean="0">
+                <a:solidFill>
+                  <a:schemeClr val="accent5">
+                    <a:lumMod val="50000"/>
+                  </a:schemeClr>
+                </a:solidFill>
+                <a:latin typeface="Lucida Console" pitchFamily="49" charset="0"/>
+              </a:rPr>
+              <a:t>doSomething</a:t>
+            </a:r>
+            <a:r>
+              <a:rPr lang="en-AU" sz="1800" b="1" dirty="0" smtClean="0">
+                <a:solidFill>
+                  <a:schemeClr val="accent5">
+                    <a:lumMod val="50000"/>
+                  </a:schemeClr>
+                </a:solidFill>
+                <a:latin typeface="Lucida Console" pitchFamily="49" charset="0"/>
+              </a:rPr>
+              <a:t> 1)</a:t>
+            </a:r>
+            <a:endParaRPr lang="en-US" sz="1800" b="1" dirty="0">
+              <a:solidFill>
+                <a:schemeClr val="accent5">
+                  <a:lumMod val="50000"/>
+                </a:schemeClr>
+              </a:solidFill>
+              <a:latin typeface="Lucida Console" pitchFamily="49" charset="0"/>
+            </a:endParaRPr>
+          </a:p>
+        </p:txBody>
+      </p:sp>
+      <p:sp>
+        <p:nvSpPr>
+          <p:cNvPr id="8" name="Content Placeholder 2"/>
+          <p:cNvSpPr txBox="1">
+            <a:spLocks/>
+          </p:cNvSpPr>
+          <p:nvPr/>
+        </p:nvSpPr>
+        <p:spPr>
+          <a:xfrm>
+            <a:off x="3720834" y="1676400"/>
+            <a:ext cx="5423166" cy="4978565"/>
+          </a:xfrm>
+          <a:prstGeom prst="rect">
+            <a:avLst/>
+          </a:prstGeom>
+        </p:spPr>
+        <p:txBody>
+          <a:bodyPr vert="horz" lIns="91432" tIns="45715" rIns="91432" bIns="45715" rtlCol="0">
+            <a:noAutofit/>
+          </a:bodyPr>
+          <a:lstStyle>
+            <a:defPPr>
+              <a:defRPr lang="en-US"/>
+            </a:defPPr>
+            <a:lvl1pPr algn="l" rtl="0" fontAlgn="base">
+              <a:spcBef>
+                <a:spcPct val="0"/>
+              </a:spcBef>
+              <a:spcAft>
+                <a:spcPct val="0"/>
+              </a:spcAft>
+              <a:defRPr kern="1200">
+                <a:solidFill>
+                  <a:srgbClr val="A2998A"/>
+                </a:solidFill>
+                <a:latin typeface="Segoe"/>
+                <a:ea typeface="+mn-ea"/>
+                <a:cs typeface="+mn-cs"/>
+              </a:defRPr>
+            </a:lvl1pPr>
+            <a:lvl2pPr marL="457200" algn="l" rtl="0" fontAlgn="base">
+              <a:spcBef>
+                <a:spcPct val="0"/>
+              </a:spcBef>
+              <a:spcAft>
+                <a:spcPct val="0"/>
+              </a:spcAft>
+              <a:defRPr kern="1200">
+                <a:solidFill>
+                  <a:srgbClr val="A2998A"/>
+                </a:solidFill>
+                <a:latin typeface="Segoe"/>
+                <a:ea typeface="+mn-ea"/>
+                <a:cs typeface="+mn-cs"/>
+              </a:defRPr>
+            </a:lvl2pPr>
+            <a:lvl3pPr marL="914400" algn="l" rtl="0" fontAlgn="base">
+              <a:spcBef>
+                <a:spcPct val="0"/>
+              </a:spcBef>
+              <a:spcAft>
+                <a:spcPct val="0"/>
+              </a:spcAft>
+              <a:defRPr kern="1200">
+                <a:solidFill>
+                  <a:srgbClr val="A2998A"/>
+                </a:solidFill>
+                <a:latin typeface="Segoe"/>
+                <a:ea typeface="+mn-ea"/>
+                <a:cs typeface="+mn-cs"/>
+              </a:defRPr>
+            </a:lvl3pPr>
+            <a:lvl4pPr marL="1371600" algn="l" rtl="0" fontAlgn="base">
+              <a:spcBef>
+                <a:spcPct val="0"/>
+              </a:spcBef>
+              <a:spcAft>
+                <a:spcPct val="0"/>
+              </a:spcAft>
+              <a:defRPr kern="1200">
+                <a:solidFill>
+                  <a:srgbClr val="A2998A"/>
+                </a:solidFill>
+                <a:latin typeface="Segoe"/>
+                <a:ea typeface="+mn-ea"/>
+                <a:cs typeface="+mn-cs"/>
+              </a:defRPr>
+            </a:lvl4pPr>
+            <a:lvl5pPr marL="1828800" algn="l" rtl="0" fontAlgn="base">
+              <a:spcBef>
+                <a:spcPct val="0"/>
+              </a:spcBef>
+              <a:spcAft>
+                <a:spcPct val="0"/>
+              </a:spcAft>
+              <a:defRPr kern="1200">
+                <a:solidFill>
+                  <a:srgbClr val="A2998A"/>
+                </a:solidFill>
+                <a:latin typeface="Segoe"/>
+                <a:ea typeface="+mn-ea"/>
+                <a:cs typeface="+mn-cs"/>
+              </a:defRPr>
+            </a:lvl5pPr>
+            <a:lvl6pPr marL="2286000" algn="l" defTabSz="914400" rtl="0" eaLnBrk="1" latinLnBrk="0" hangingPunct="1">
+              <a:defRPr kern="1200">
+                <a:solidFill>
+                  <a:srgbClr val="A2998A"/>
+                </a:solidFill>
+                <a:latin typeface="Segoe"/>
+                <a:ea typeface="+mn-ea"/>
+                <a:cs typeface="+mn-cs"/>
+              </a:defRPr>
+            </a:lvl6pPr>
+            <a:lvl7pPr marL="2743200" algn="l" defTabSz="914400" rtl="0" eaLnBrk="1" latinLnBrk="0" hangingPunct="1">
+              <a:defRPr kern="1200">
+                <a:solidFill>
+                  <a:srgbClr val="A2998A"/>
+                </a:solidFill>
+                <a:latin typeface="Segoe"/>
+                <a:ea typeface="+mn-ea"/>
+                <a:cs typeface="+mn-cs"/>
+              </a:defRPr>
+            </a:lvl7pPr>
+            <a:lvl8pPr marL="3200400" algn="l" defTabSz="914400" rtl="0" eaLnBrk="1" latinLnBrk="0" hangingPunct="1">
+              <a:defRPr kern="1200">
+                <a:solidFill>
+                  <a:srgbClr val="A2998A"/>
+                </a:solidFill>
+                <a:latin typeface="Segoe"/>
+                <a:ea typeface="+mn-ea"/>
+                <a:cs typeface="+mn-cs"/>
+              </a:defRPr>
+            </a:lvl8pPr>
+            <a:lvl9pPr marL="3657600" algn="l" defTabSz="914400" rtl="0" eaLnBrk="1" latinLnBrk="0" hangingPunct="1">
+              <a:defRPr kern="1200">
+                <a:solidFill>
+                  <a:srgbClr val="A2998A"/>
+                </a:solidFill>
+                <a:latin typeface="Segoe"/>
+                <a:ea typeface="+mn-ea"/>
+                <a:cs typeface="+mn-cs"/>
+              </a:defRPr>
+            </a:lvl9pPr>
+          </a:lstStyle>
+          <a:p>
+            <a:pPr marL="342871" indent="-342871">
+              <a:spcBef>
+                <a:spcPct val="20000"/>
+              </a:spcBef>
+              <a:defRPr/>
+            </a:pPr>
+            <a:r>
+              <a:rPr lang="en-US" b="1" dirty="0">
+                <a:solidFill>
+                  <a:schemeClr val="tx2">
+                    <a:lumMod val="60000"/>
+                    <a:lumOff val="40000"/>
+                  </a:schemeClr>
+                </a:solidFill>
+                <a:latin typeface="Lucida Console" pitchFamily="49" charset="0"/>
+              </a:rPr>
+              <a:t>//C#</a:t>
+            </a:r>
+          </a:p>
+          <a:p>
+            <a:r>
+              <a:rPr lang="en-AU" b="1" dirty="0">
+                <a:solidFill>
+                  <a:schemeClr val="tx2">
+                    <a:lumMod val="60000"/>
+                    <a:lumOff val="40000"/>
+                  </a:schemeClr>
+                </a:solidFill>
+                <a:latin typeface="Lucida Console" pitchFamily="49" charset="0"/>
+              </a:rPr>
+              <a:t>using System;</a:t>
+            </a:r>
+          </a:p>
+          <a:p>
+            <a:endParaRPr lang="en-AU" b="1" dirty="0">
+              <a:solidFill>
+                <a:schemeClr val="tx2">
+                  <a:lumMod val="60000"/>
+                  <a:lumOff val="40000"/>
+                </a:schemeClr>
+              </a:solidFill>
+              <a:latin typeface="Lucida Console" pitchFamily="49" charset="0"/>
+            </a:endParaRPr>
+          </a:p>
+          <a:p>
+            <a:r>
+              <a:rPr lang="en-AU" b="1" dirty="0">
+                <a:solidFill>
+                  <a:schemeClr val="tx2">
+                    <a:lumMod val="60000"/>
+                    <a:lumOff val="40000"/>
+                  </a:schemeClr>
+                </a:solidFill>
+                <a:latin typeface="Lucida Console" pitchFamily="49" charset="0"/>
+              </a:rPr>
+              <a:t>namespace ConsoleApplication1</a:t>
+            </a:r>
+          </a:p>
+          <a:p>
+            <a:r>
+              <a:rPr lang="en-AU" b="1" dirty="0">
+                <a:solidFill>
+                  <a:schemeClr val="tx2">
+                    <a:lumMod val="60000"/>
+                    <a:lumOff val="40000"/>
+                  </a:schemeClr>
+                </a:solidFill>
+                <a:latin typeface="Lucida Console" pitchFamily="49" charset="0"/>
+              </a:rPr>
+              <a:t>{</a:t>
+            </a:r>
+          </a:p>
+          <a:p>
+            <a:r>
+              <a:rPr lang="en-AU" b="1" dirty="0">
+                <a:solidFill>
+                  <a:schemeClr val="tx2">
+                    <a:lumMod val="60000"/>
+                    <a:lumOff val="40000"/>
+                  </a:schemeClr>
+                </a:solidFill>
+                <a:latin typeface="Lucida Console" pitchFamily="49" charset="0"/>
+              </a:rPr>
+              <a:t>  </a:t>
+            </a:r>
+            <a:r>
+              <a:rPr lang="en-AU" b="1" dirty="0" smtClean="0">
+                <a:solidFill>
+                  <a:schemeClr val="tx2">
+                    <a:lumMod val="60000"/>
+                    <a:lumOff val="40000"/>
+                  </a:schemeClr>
+                </a:solidFill>
+                <a:latin typeface="Lucida Console" pitchFamily="49" charset="0"/>
+              </a:rPr>
+              <a:t>class </a:t>
+            </a:r>
+            <a:r>
+              <a:rPr lang="en-AU" b="1" dirty="0">
+                <a:solidFill>
+                  <a:schemeClr val="tx2">
+                    <a:lumMod val="60000"/>
+                    <a:lumOff val="40000"/>
+                  </a:schemeClr>
+                </a:solidFill>
+                <a:latin typeface="Lucida Console" pitchFamily="49" charset="0"/>
+              </a:rPr>
+              <a:t>Program</a:t>
+            </a:r>
+          </a:p>
+          <a:p>
+            <a:r>
+              <a:rPr lang="en-AU" b="1" dirty="0">
+                <a:solidFill>
+                  <a:schemeClr val="tx2">
+                    <a:lumMod val="60000"/>
+                    <a:lumOff val="40000"/>
+                  </a:schemeClr>
+                </a:solidFill>
+                <a:latin typeface="Lucida Console" pitchFamily="49" charset="0"/>
+              </a:rPr>
+              <a:t>  </a:t>
+            </a:r>
+            <a:r>
+              <a:rPr lang="en-AU" b="1" dirty="0" smtClean="0">
+                <a:solidFill>
+                  <a:schemeClr val="tx2">
+                    <a:lumMod val="60000"/>
+                    <a:lumOff val="40000"/>
+                  </a:schemeClr>
+                </a:solidFill>
+                <a:latin typeface="Lucida Console" pitchFamily="49" charset="0"/>
+              </a:rPr>
+              <a:t>{</a:t>
+            </a:r>
+            <a:endParaRPr lang="en-AU" b="1" dirty="0">
+              <a:solidFill>
+                <a:schemeClr val="tx2">
+                  <a:lumMod val="60000"/>
+                  <a:lumOff val="40000"/>
+                </a:schemeClr>
+              </a:solidFill>
+              <a:latin typeface="Lucida Console" pitchFamily="49" charset="0"/>
+            </a:endParaRPr>
+          </a:p>
+          <a:p>
+            <a:r>
+              <a:rPr lang="en-AU" b="1" dirty="0">
+                <a:solidFill>
+                  <a:schemeClr val="tx2">
+                    <a:lumMod val="60000"/>
+                    <a:lumOff val="40000"/>
+                  </a:schemeClr>
+                </a:solidFill>
+                <a:latin typeface="Lucida Console" pitchFamily="49" charset="0"/>
+              </a:rPr>
+              <a:t>  </a:t>
+            </a:r>
+            <a:r>
+              <a:rPr lang="en-AU" b="1" dirty="0" smtClean="0">
+                <a:solidFill>
+                  <a:schemeClr val="tx2">
+                    <a:lumMod val="60000"/>
+                    <a:lumOff val="40000"/>
+                  </a:schemeClr>
+                </a:solidFill>
+                <a:latin typeface="Lucida Console" pitchFamily="49" charset="0"/>
+              </a:rPr>
+              <a:t>  </a:t>
+            </a:r>
+            <a:r>
+              <a:rPr lang="en-AU" b="1" dirty="0">
+                <a:solidFill>
+                  <a:schemeClr val="tx2">
+                    <a:lumMod val="60000"/>
+                    <a:lumOff val="40000"/>
+                  </a:schemeClr>
+                </a:solidFill>
+                <a:latin typeface="Lucida Console" pitchFamily="49" charset="0"/>
+              </a:rPr>
+              <a:t>static </a:t>
+            </a:r>
+            <a:r>
+              <a:rPr lang="en-AU" b="1" dirty="0" err="1">
+                <a:solidFill>
+                  <a:schemeClr val="tx2">
+                    <a:lumMod val="60000"/>
+                    <a:lumOff val="40000"/>
+                  </a:schemeClr>
+                </a:solidFill>
+                <a:latin typeface="Lucida Console" pitchFamily="49" charset="0"/>
+              </a:rPr>
+              <a:t>int</a:t>
+            </a:r>
+            <a:r>
+              <a:rPr lang="en-AU" b="1" dirty="0">
+                <a:solidFill>
+                  <a:schemeClr val="tx2">
+                    <a:lumMod val="60000"/>
+                    <a:lumOff val="40000"/>
+                  </a:schemeClr>
+                </a:solidFill>
+                <a:latin typeface="Lucida Console" pitchFamily="49" charset="0"/>
+              </a:rPr>
+              <a:t> </a:t>
+            </a:r>
+            <a:r>
+              <a:rPr lang="en-AU" b="1" dirty="0" err="1" smtClean="0">
+                <a:solidFill>
+                  <a:schemeClr val="tx2">
+                    <a:lumMod val="60000"/>
+                    <a:lumOff val="40000"/>
+                  </a:schemeClr>
+                </a:solidFill>
+                <a:latin typeface="Lucida Console" pitchFamily="49" charset="0"/>
+              </a:rPr>
+              <a:t>doSomething</a:t>
+            </a:r>
+            <a:r>
+              <a:rPr lang="en-AU" b="1" dirty="0" smtClean="0">
+                <a:solidFill>
+                  <a:schemeClr val="tx2">
+                    <a:lumMod val="60000"/>
+                    <a:lumOff val="40000"/>
+                  </a:schemeClr>
+                </a:solidFill>
+                <a:latin typeface="Lucida Console" pitchFamily="49" charset="0"/>
+              </a:rPr>
+              <a:t>(</a:t>
+            </a:r>
+            <a:r>
+              <a:rPr lang="en-AU" b="1" dirty="0" err="1" smtClean="0">
+                <a:solidFill>
+                  <a:schemeClr val="tx2">
+                    <a:lumMod val="60000"/>
+                    <a:lumOff val="40000"/>
+                  </a:schemeClr>
+                </a:solidFill>
+                <a:latin typeface="Lucida Console" pitchFamily="49" charset="0"/>
+              </a:rPr>
+              <a:t>int</a:t>
+            </a:r>
+            <a:r>
+              <a:rPr lang="en-AU" b="1" dirty="0" smtClean="0">
+                <a:solidFill>
+                  <a:schemeClr val="tx2">
+                    <a:lumMod val="60000"/>
+                    <a:lumOff val="40000"/>
+                  </a:schemeClr>
+                </a:solidFill>
+                <a:latin typeface="Lucida Console" pitchFamily="49" charset="0"/>
+              </a:rPr>
+              <a:t> </a:t>
+            </a:r>
+            <a:r>
+              <a:rPr lang="en-AU" b="1" dirty="0" err="1" smtClean="0">
+                <a:solidFill>
+                  <a:schemeClr val="tx2">
+                    <a:lumMod val="60000"/>
+                    <a:lumOff val="40000"/>
+                  </a:schemeClr>
+                </a:solidFill>
+                <a:latin typeface="Lucida Console" pitchFamily="49" charset="0"/>
+              </a:rPr>
+              <a:t>val</a:t>
+            </a:r>
+            <a:r>
+              <a:rPr lang="en-AU" b="1" dirty="0" smtClean="0">
+                <a:solidFill>
+                  <a:schemeClr val="tx2">
+                    <a:lumMod val="60000"/>
+                    <a:lumOff val="40000"/>
+                  </a:schemeClr>
+                </a:solidFill>
+                <a:latin typeface="Lucida Console" pitchFamily="49" charset="0"/>
+              </a:rPr>
+              <a:t>)</a:t>
+            </a:r>
+            <a:endParaRPr lang="en-AU" b="1" dirty="0">
+              <a:solidFill>
+                <a:schemeClr val="tx2">
+                  <a:lumMod val="60000"/>
+                  <a:lumOff val="40000"/>
+                </a:schemeClr>
+              </a:solidFill>
+              <a:latin typeface="Lucida Console" pitchFamily="49" charset="0"/>
+            </a:endParaRPr>
+          </a:p>
+          <a:p>
+            <a:r>
+              <a:rPr lang="en-AU" b="1" dirty="0">
+                <a:solidFill>
+                  <a:schemeClr val="tx2">
+                    <a:lumMod val="60000"/>
+                    <a:lumOff val="40000"/>
+                  </a:schemeClr>
+                </a:solidFill>
+                <a:latin typeface="Lucida Console" pitchFamily="49" charset="0"/>
+              </a:rPr>
+              <a:t>  </a:t>
+            </a:r>
+            <a:r>
+              <a:rPr lang="en-AU" b="1" dirty="0" smtClean="0">
+                <a:solidFill>
+                  <a:schemeClr val="tx2">
+                    <a:lumMod val="60000"/>
+                    <a:lumOff val="40000"/>
+                  </a:schemeClr>
+                </a:solidFill>
+                <a:latin typeface="Lucida Console" pitchFamily="49" charset="0"/>
+              </a:rPr>
+              <a:t>  </a:t>
+            </a:r>
+            <a:r>
+              <a:rPr lang="en-AU" b="1" dirty="0">
+                <a:solidFill>
+                  <a:schemeClr val="tx2">
+                    <a:lumMod val="60000"/>
+                    <a:lumOff val="40000"/>
+                  </a:schemeClr>
+                </a:solidFill>
+                <a:latin typeface="Lucida Console" pitchFamily="49" charset="0"/>
+              </a:rPr>
+              <a:t>{</a:t>
+            </a:r>
+          </a:p>
+          <a:p>
+            <a:r>
+              <a:rPr lang="en-AU" b="1" dirty="0">
+                <a:solidFill>
+                  <a:schemeClr val="tx2">
+                    <a:lumMod val="60000"/>
+                    <a:lumOff val="40000"/>
+                  </a:schemeClr>
+                </a:solidFill>
+                <a:latin typeface="Lucida Console" pitchFamily="49" charset="0"/>
+              </a:rPr>
+              <a:t>  </a:t>
+            </a:r>
+            <a:r>
+              <a:rPr lang="en-AU" b="1" dirty="0" smtClean="0">
+                <a:solidFill>
+                  <a:schemeClr val="tx2">
+                    <a:lumMod val="60000"/>
+                    <a:lumOff val="40000"/>
+                  </a:schemeClr>
+                </a:solidFill>
+                <a:latin typeface="Lucida Console" pitchFamily="49" charset="0"/>
+              </a:rPr>
+              <a:t>      </a:t>
+            </a:r>
+            <a:r>
+              <a:rPr lang="en-AU" b="1" dirty="0">
+                <a:solidFill>
+                  <a:schemeClr val="tx2">
+                    <a:lumMod val="60000"/>
+                    <a:lumOff val="40000"/>
+                  </a:schemeClr>
+                </a:solidFill>
+                <a:latin typeface="Lucida Console" pitchFamily="49" charset="0"/>
+              </a:rPr>
+              <a:t>return </a:t>
+            </a:r>
+            <a:r>
+              <a:rPr lang="en-AU" b="1" dirty="0" err="1" smtClean="0">
+                <a:solidFill>
+                  <a:schemeClr val="tx2">
+                    <a:lumMod val="60000"/>
+                    <a:lumOff val="40000"/>
+                  </a:schemeClr>
+                </a:solidFill>
+                <a:latin typeface="Lucida Console" pitchFamily="49" charset="0"/>
+              </a:rPr>
+              <a:t>val</a:t>
+            </a:r>
+            <a:r>
+              <a:rPr lang="en-AU" b="1" dirty="0" smtClean="0">
+                <a:solidFill>
+                  <a:schemeClr val="tx2">
+                    <a:lumMod val="60000"/>
+                    <a:lumOff val="40000"/>
+                  </a:schemeClr>
+                </a:solidFill>
+                <a:latin typeface="Lucida Console" pitchFamily="49" charset="0"/>
+              </a:rPr>
+              <a:t> + </a:t>
+            </a:r>
+            <a:r>
+              <a:rPr lang="en-AU" b="1" dirty="0" err="1" smtClean="0">
+                <a:solidFill>
+                  <a:schemeClr val="tx2">
+                    <a:lumMod val="60000"/>
+                    <a:lumOff val="40000"/>
+                  </a:schemeClr>
+                </a:solidFill>
+                <a:latin typeface="Lucida Console" pitchFamily="49" charset="0"/>
+              </a:rPr>
+              <a:t>val</a:t>
+            </a:r>
+            <a:r>
+              <a:rPr lang="en-AU" b="1" dirty="0" smtClean="0">
+                <a:solidFill>
+                  <a:schemeClr val="tx2">
+                    <a:lumMod val="60000"/>
+                    <a:lumOff val="40000"/>
+                  </a:schemeClr>
+                </a:solidFill>
+                <a:latin typeface="Lucida Console" pitchFamily="49" charset="0"/>
+              </a:rPr>
+              <a:t>;</a:t>
+            </a:r>
+            <a:endParaRPr lang="en-AU" b="1" dirty="0">
+              <a:solidFill>
+                <a:schemeClr val="tx2">
+                  <a:lumMod val="60000"/>
+                  <a:lumOff val="40000"/>
+                </a:schemeClr>
+              </a:solidFill>
+              <a:latin typeface="Lucida Console" pitchFamily="49" charset="0"/>
+            </a:endParaRPr>
+          </a:p>
+          <a:p>
+            <a:r>
+              <a:rPr lang="en-AU" b="1" dirty="0">
+                <a:solidFill>
+                  <a:schemeClr val="tx2">
+                    <a:lumMod val="60000"/>
+                    <a:lumOff val="40000"/>
+                  </a:schemeClr>
+                </a:solidFill>
+                <a:latin typeface="Lucida Console" pitchFamily="49" charset="0"/>
+              </a:rPr>
+              <a:t>  </a:t>
+            </a:r>
+            <a:r>
+              <a:rPr lang="en-AU" b="1" dirty="0" smtClean="0">
+                <a:solidFill>
+                  <a:schemeClr val="tx2">
+                    <a:lumMod val="60000"/>
+                    <a:lumOff val="40000"/>
+                  </a:schemeClr>
+                </a:solidFill>
+                <a:latin typeface="Lucida Console" pitchFamily="49" charset="0"/>
+              </a:rPr>
+              <a:t>  </a:t>
+            </a:r>
+            <a:r>
+              <a:rPr lang="en-AU" b="1" dirty="0">
+                <a:solidFill>
+                  <a:schemeClr val="tx2">
+                    <a:lumMod val="60000"/>
+                    <a:lumOff val="40000"/>
+                  </a:schemeClr>
+                </a:solidFill>
+                <a:latin typeface="Lucida Console" pitchFamily="49" charset="0"/>
+              </a:rPr>
+              <a:t>}</a:t>
+            </a:r>
+          </a:p>
+          <a:p>
+            <a:r>
+              <a:rPr lang="en-AU" b="1" dirty="0" smtClean="0">
+                <a:solidFill>
+                  <a:schemeClr val="tx2">
+                    <a:lumMod val="60000"/>
+                    <a:lumOff val="40000"/>
+                  </a:schemeClr>
+                </a:solidFill>
+                <a:latin typeface="Lucida Console" pitchFamily="49" charset="0"/>
+              </a:rPr>
+              <a:t>    </a:t>
+            </a:r>
+            <a:r>
+              <a:rPr lang="en-AU" b="1" dirty="0">
+                <a:solidFill>
+                  <a:schemeClr val="tx2">
+                    <a:lumMod val="60000"/>
+                    <a:lumOff val="40000"/>
+                  </a:schemeClr>
+                </a:solidFill>
+                <a:latin typeface="Lucida Console" pitchFamily="49" charset="0"/>
+              </a:rPr>
+              <a:t>static void Main(string[] </a:t>
+            </a:r>
+            <a:r>
+              <a:rPr lang="en-AU" b="1" dirty="0" err="1">
+                <a:solidFill>
+                  <a:schemeClr val="tx2">
+                    <a:lumMod val="60000"/>
+                    <a:lumOff val="40000"/>
+                  </a:schemeClr>
+                </a:solidFill>
+                <a:latin typeface="Lucida Console" pitchFamily="49" charset="0"/>
+              </a:rPr>
+              <a:t>args</a:t>
+            </a:r>
+            <a:r>
+              <a:rPr lang="en-AU" b="1" dirty="0">
+                <a:solidFill>
+                  <a:schemeClr val="tx2">
+                    <a:lumMod val="60000"/>
+                    <a:lumOff val="40000"/>
+                  </a:schemeClr>
+                </a:solidFill>
+                <a:latin typeface="Lucida Console" pitchFamily="49" charset="0"/>
+              </a:rPr>
+              <a:t>)</a:t>
+            </a:r>
+          </a:p>
+          <a:p>
+            <a:r>
+              <a:rPr lang="en-AU" b="1" dirty="0" smtClean="0">
+                <a:solidFill>
+                  <a:schemeClr val="tx2">
+                    <a:lumMod val="60000"/>
+                    <a:lumOff val="40000"/>
+                  </a:schemeClr>
+                </a:solidFill>
+                <a:latin typeface="Lucida Console" pitchFamily="49" charset="0"/>
+              </a:rPr>
+              <a:t>    </a:t>
+            </a:r>
+            <a:r>
+              <a:rPr lang="en-AU" b="1" dirty="0">
+                <a:solidFill>
+                  <a:schemeClr val="tx2">
+                    <a:lumMod val="60000"/>
+                    <a:lumOff val="40000"/>
+                  </a:schemeClr>
+                </a:solidFill>
+                <a:latin typeface="Lucida Console" pitchFamily="49" charset="0"/>
+              </a:rPr>
+              <a:t>{</a:t>
+            </a:r>
+          </a:p>
+          <a:p>
+            <a:r>
+              <a:rPr lang="en-AU" b="1" dirty="0" smtClean="0">
+                <a:solidFill>
+                  <a:schemeClr val="tx2">
+                    <a:lumMod val="60000"/>
+                    <a:lumOff val="40000"/>
+                  </a:schemeClr>
+                </a:solidFill>
+                <a:latin typeface="Lucida Console" pitchFamily="49" charset="0"/>
+              </a:rPr>
+              <a:t>        </a:t>
+            </a:r>
+            <a:r>
+              <a:rPr lang="en-AU" b="1" dirty="0" err="1">
+                <a:solidFill>
+                  <a:schemeClr val="tx2">
+                    <a:lumMod val="60000"/>
+                    <a:lumOff val="40000"/>
+                  </a:schemeClr>
+                </a:solidFill>
+                <a:latin typeface="Lucida Console" pitchFamily="49" charset="0"/>
+              </a:rPr>
+              <a:t>Console.WriteLine</a:t>
+            </a:r>
+            <a:r>
+              <a:rPr lang="en-AU" b="1" dirty="0" smtClean="0">
+                <a:solidFill>
+                  <a:schemeClr val="tx2">
+                    <a:lumMod val="60000"/>
+                    <a:lumOff val="40000"/>
+                  </a:schemeClr>
+                </a:solidFill>
+                <a:latin typeface="Lucida Console" pitchFamily="49" charset="0"/>
+              </a:rPr>
+              <a:t>(</a:t>
+            </a:r>
+          </a:p>
+          <a:p>
+            <a:r>
+              <a:rPr lang="en-AU" b="1" dirty="0">
+                <a:solidFill>
+                  <a:schemeClr val="tx2">
+                    <a:lumMod val="60000"/>
+                    <a:lumOff val="40000"/>
+                  </a:schemeClr>
+                </a:solidFill>
+                <a:latin typeface="Lucida Console" pitchFamily="49" charset="0"/>
+              </a:rPr>
+              <a:t> </a:t>
+            </a:r>
+            <a:r>
+              <a:rPr lang="en-AU" b="1" dirty="0" smtClean="0">
+                <a:solidFill>
+                  <a:schemeClr val="tx2">
+                    <a:lumMod val="60000"/>
+                    <a:lumOff val="40000"/>
+                  </a:schemeClr>
+                </a:solidFill>
+                <a:latin typeface="Lucida Console" pitchFamily="49" charset="0"/>
+              </a:rPr>
+              <a:t>           </a:t>
+            </a:r>
+            <a:r>
+              <a:rPr lang="en-AU" b="1" dirty="0" err="1" smtClean="0">
+                <a:solidFill>
+                  <a:schemeClr val="tx2">
+                    <a:lumMod val="60000"/>
+                    <a:lumOff val="40000"/>
+                  </a:schemeClr>
+                </a:solidFill>
+                <a:latin typeface="Lucida Console" pitchFamily="49" charset="0"/>
+              </a:rPr>
+              <a:t>doSomething</a:t>
+            </a:r>
+            <a:r>
+              <a:rPr lang="en-AU" b="1" dirty="0" smtClean="0">
+                <a:solidFill>
+                  <a:schemeClr val="tx2">
+                    <a:lumMod val="60000"/>
+                    <a:lumOff val="40000"/>
+                  </a:schemeClr>
+                </a:solidFill>
+                <a:latin typeface="Lucida Console" pitchFamily="49" charset="0"/>
+              </a:rPr>
+              <a:t>(1)</a:t>
+            </a:r>
+            <a:r>
+              <a:rPr lang="en-AU" b="1" dirty="0" smtClean="0">
+                <a:solidFill>
+                  <a:schemeClr val="tx2">
+                    <a:lumMod val="60000"/>
+                    <a:lumOff val="40000"/>
+                  </a:schemeClr>
+                </a:solidFill>
+                <a:latin typeface="Lucida Console" pitchFamily="49" charset="0"/>
+              </a:rPr>
+              <a:t>);            </a:t>
+            </a:r>
+            <a:endParaRPr lang="en-AU" b="1" dirty="0">
+              <a:solidFill>
+                <a:schemeClr val="tx2">
+                  <a:lumMod val="60000"/>
+                  <a:lumOff val="40000"/>
+                </a:schemeClr>
+              </a:solidFill>
+              <a:latin typeface="Lucida Console" pitchFamily="49" charset="0"/>
+            </a:endParaRPr>
+          </a:p>
+          <a:p>
+            <a:r>
+              <a:rPr lang="en-AU" b="1" dirty="0" smtClean="0">
+                <a:solidFill>
+                  <a:schemeClr val="tx2">
+                    <a:lumMod val="60000"/>
+                    <a:lumOff val="40000"/>
+                  </a:schemeClr>
+                </a:solidFill>
+                <a:latin typeface="Lucida Console" pitchFamily="49" charset="0"/>
+              </a:rPr>
+              <a:t>    </a:t>
+            </a:r>
+            <a:r>
+              <a:rPr lang="en-AU" b="1" dirty="0">
+                <a:solidFill>
+                  <a:schemeClr val="tx2">
+                    <a:lumMod val="60000"/>
+                    <a:lumOff val="40000"/>
+                  </a:schemeClr>
+                </a:solidFill>
+                <a:latin typeface="Lucida Console" pitchFamily="49" charset="0"/>
+              </a:rPr>
+              <a:t>}</a:t>
+            </a:r>
+          </a:p>
+          <a:p>
+            <a:r>
+              <a:rPr lang="en-AU" b="1" dirty="0" smtClean="0">
+                <a:solidFill>
+                  <a:schemeClr val="tx2">
+                    <a:lumMod val="60000"/>
+                    <a:lumOff val="40000"/>
+                  </a:schemeClr>
+                </a:solidFill>
+                <a:latin typeface="Lucida Console" pitchFamily="49" charset="0"/>
+              </a:rPr>
+              <a:t>  </a:t>
+            </a:r>
+            <a:r>
+              <a:rPr lang="en-AU" b="1" dirty="0">
+                <a:solidFill>
+                  <a:schemeClr val="tx2">
+                    <a:lumMod val="60000"/>
+                    <a:lumOff val="40000"/>
+                  </a:schemeClr>
+                </a:solidFill>
+                <a:latin typeface="Lucida Console" pitchFamily="49" charset="0"/>
+              </a:rPr>
+              <a:t>}</a:t>
+            </a:r>
+          </a:p>
+          <a:p>
+            <a:r>
+              <a:rPr lang="en-AU" b="1" dirty="0" smtClean="0">
+                <a:solidFill>
+                  <a:schemeClr val="tx2">
+                    <a:lumMod val="60000"/>
+                    <a:lumOff val="40000"/>
+                  </a:schemeClr>
+                </a:solidFill>
+                <a:latin typeface="Lucida Console" pitchFamily="49" charset="0"/>
+              </a:rPr>
+              <a:t>}</a:t>
+            </a:r>
+            <a:endParaRPr lang="en-AU" b="1" dirty="0">
+              <a:solidFill>
+                <a:schemeClr val="tx2">
+                  <a:lumMod val="60000"/>
+                  <a:lumOff val="40000"/>
+                </a:schemeClr>
+              </a:solidFill>
+              <a:latin typeface="Lucida Console" pitchFamily="49" charset="0"/>
+            </a:endParaRPr>
+          </a:p>
+        </p:txBody>
+      </p:sp>
     </p:spTree>
     <p:extLst>
       <p:ext uri="{BB962C8B-B14F-4D97-AF65-F5344CB8AC3E}">
-        <p14:creationId xmlns:p14="http://schemas.microsoft.com/office/powerpoint/2010/main" val="2579012526"/>
+        <p14:creationId xmlns:p14="http://schemas.microsoft.com/office/powerpoint/2010/main" val="2982597783"/>
       </p:ext>
     </p:extLst>
   </p:cSld>
@@ -17379,76 +20225,29 @@
             <p:ph type="title"/>
           </p:nvPr>
         </p:nvSpPr>
-        <p:spPr/>
-        <p:txBody>
-          <a:bodyPr/>
-          <a:lstStyle/>
-          <a:p>
-            <a:r>
-              <a:rPr lang="en-US" dirty="0" smtClean="0">
-                <a:solidFill>
-                  <a:schemeClr val="accent5">
-                    <a:lumMod val="50000"/>
-                  </a:schemeClr>
-                </a:solidFill>
-              </a:rPr>
-              <a:t>Whitespace Matters</a:t>
-            </a:r>
-            <a:endParaRPr lang="en-US" dirty="0"/>
-          </a:p>
-        </p:txBody>
-      </p:sp>
-      <p:sp>
-        <p:nvSpPr>
-          <p:cNvPr id="3" name="Content Placeholder 2"/>
-          <p:cNvSpPr>
-            <a:spLocks noGrp="1"/>
-          </p:cNvSpPr>
-          <p:nvPr>
-            <p:ph idx="1"/>
-          </p:nvPr>
-        </p:nvSpPr>
-        <p:spPr/>
+        <p:spPr>
+          <a:xfrm>
+            <a:off x="1043490" y="1027664"/>
+            <a:ext cx="7024744" cy="724936"/>
+          </a:xfrm>
+        </p:spPr>
         <p:txBody>
           <a:bodyPr>
             <a:normAutofit/>
           </a:bodyPr>
           <a:lstStyle/>
           <a:p>
-            <a:pPr marL="68580" indent="0">
-              <a:buNone/>
-            </a:pPr>
-            <a:r>
-              <a:rPr lang="en-US" dirty="0" smtClean="0"/>
-              <a:t>let </a:t>
-            </a:r>
-            <a:r>
-              <a:rPr lang="en-US" dirty="0" err="1" smtClean="0"/>
-              <a:t>myFunction</a:t>
-            </a:r>
-            <a:r>
-              <a:rPr lang="en-US" dirty="0" smtClean="0"/>
-              <a:t> x = </a:t>
-            </a:r>
-          </a:p>
-          <a:p>
-            <a:pPr marL="68580" indent="0">
-              <a:buNone/>
-            </a:pPr>
-            <a:r>
-              <a:rPr lang="en-US" dirty="0"/>
-              <a:t> </a:t>
-            </a:r>
-            <a:r>
-              <a:rPr lang="en-US" dirty="0" smtClean="0"/>
-              <a:t>   x + x</a:t>
-            </a:r>
-          </a:p>
-          <a:p>
-            <a:pPr marL="68580" indent="0">
-              <a:buNone/>
-            </a:pPr>
-            <a:endParaRPr lang="en-US" dirty="0" smtClean="0"/>
+            <a:r>
+              <a:rPr lang="en-US" dirty="0" smtClean="0">
+                <a:solidFill>
+                  <a:schemeClr val="accent5">
+                    <a:lumMod val="50000"/>
+                  </a:schemeClr>
+                </a:solidFill>
+              </a:rPr>
+              <a:t>First-Class Functions</a:t>
+            </a:r>
+            <a:endParaRPr lang="en-US" dirty="0"/>
           </a:p>
         </p:txBody>
       </p:sp>
@@ -17470,27 +20269,8 @@
             <a:fld id="{05A93482-8E69-40F7-BCAD-5662A6CADB27}" type="datetime4">
               <a:rPr lang="en-US" smtClean="0"/>
               <a:pPr/>
-              <a:t>October 12, 2010</a:t>
+              <a:t>October 13, 2010</a:t>
             </a:fld>
-            <a:endParaRPr lang="en-US"/>
-          </a:p>
-        </p:txBody>
-      </p:sp>
-      <p:sp>
-        <p:nvSpPr>
-          <p:cNvPr id="5" name="Footer Placeholder 4"/>
-          <p:cNvSpPr>
-            <a:spLocks noGrp="1"/>
-          </p:cNvSpPr>
-          <p:nvPr>
-            <p:ph type="ftr" sz="quarter" idx="11"/>
-          </p:nvPr>
-        </p:nvSpPr>
-        <p:spPr/>
-        <p:txBody>
-          <a:bodyPr/>
-          <a:lstStyle/>
-          <a:p>
             <a:endParaRPr lang="en-US"/>
           </a:p>
         </p:txBody>
@@ -17519,10 +20299,657 @@
           </a:p>
         </p:txBody>
       </p:sp>
+      <p:sp>
+        <p:nvSpPr>
+          <p:cNvPr id="7" name="Content Placeholder 2"/>
+          <p:cNvSpPr>
+            <a:spLocks noGrp="1"/>
+          </p:cNvSpPr>
+          <p:nvPr/>
+        </p:nvSpPr>
+        <p:spPr bwMode="auto">
+          <a:xfrm>
+            <a:off x="862017" y="1633550"/>
+            <a:ext cx="3614735" cy="4978565"/>
+          </a:xfrm>
+          <a:prstGeom prst="rect">
+            <a:avLst/>
+          </a:prstGeom>
+          <a:noFill/>
+          <a:ln w="9525">
+            <a:noFill/>
+            <a:miter lim="800000"/>
+            <a:headEnd/>
+            <a:tailEnd/>
+          </a:ln>
+        </p:spPr>
+        <p:txBody>
+          <a:bodyPr vert="horz" wrap="square" lIns="91440" tIns="45720" rIns="91440" bIns="45720" numCol="1" anchor="t" anchorCtr="0" compatLnSpc="1">
+            <a:prstTxWarp prst="textNoShape">
+              <a:avLst/>
+            </a:prstTxWarp>
+            <a:normAutofit/>
+          </a:bodyPr>
+          <a:lstStyle>
+            <a:lvl1pPr marL="342900" indent="-342900" algn="l" rtl="0" eaLnBrk="0" fontAlgn="base" hangingPunct="0">
+              <a:spcBef>
+                <a:spcPct val="20000"/>
+              </a:spcBef>
+              <a:spcAft>
+                <a:spcPct val="0"/>
+              </a:spcAft>
+              <a:buClr>
+                <a:schemeClr val="accent1"/>
+              </a:buClr>
+              <a:buChar char="•"/>
+              <a:defRPr sz="2400">
+                <a:solidFill>
+                  <a:schemeClr val="bg1"/>
+                </a:solidFill>
+                <a:latin typeface="+mn-lt"/>
+                <a:ea typeface="+mn-ea"/>
+                <a:cs typeface="+mn-cs"/>
+              </a:defRPr>
+            </a:lvl1pPr>
+            <a:lvl2pPr marL="742950" indent="-285750" algn="l" rtl="0" eaLnBrk="0" fontAlgn="base" hangingPunct="0">
+              <a:spcBef>
+                <a:spcPct val="20000"/>
+              </a:spcBef>
+              <a:spcAft>
+                <a:spcPct val="0"/>
+              </a:spcAft>
+              <a:buClr>
+                <a:schemeClr val="accent1"/>
+              </a:buClr>
+              <a:buChar char="•"/>
+              <a:defRPr sz="2000">
+                <a:solidFill>
+                  <a:schemeClr val="bg1"/>
+                </a:solidFill>
+                <a:latin typeface="+mn-lt"/>
+              </a:defRPr>
+            </a:lvl2pPr>
+            <a:lvl3pPr marL="1143000" indent="-228600" algn="l" rtl="0" eaLnBrk="0" fontAlgn="base" hangingPunct="0">
+              <a:spcBef>
+                <a:spcPct val="20000"/>
+              </a:spcBef>
+              <a:spcAft>
+                <a:spcPct val="0"/>
+              </a:spcAft>
+              <a:buClr>
+                <a:schemeClr val="accent1"/>
+              </a:buClr>
+              <a:buChar char="•"/>
+              <a:defRPr sz="2400">
+                <a:solidFill>
+                  <a:schemeClr val="bg1"/>
+                </a:solidFill>
+                <a:latin typeface="+mn-lt"/>
+              </a:defRPr>
+            </a:lvl3pPr>
+            <a:lvl4pPr marL="1600200" indent="-228600" algn="l" rtl="0" eaLnBrk="0" fontAlgn="base" hangingPunct="0">
+              <a:spcBef>
+                <a:spcPct val="20000"/>
+              </a:spcBef>
+              <a:spcAft>
+                <a:spcPct val="0"/>
+              </a:spcAft>
+              <a:buClr>
+                <a:schemeClr val="accent1"/>
+              </a:buClr>
+              <a:buChar char="•"/>
+              <a:defRPr sz="2000">
+                <a:solidFill>
+                  <a:schemeClr val="bg1"/>
+                </a:solidFill>
+                <a:latin typeface="+mn-lt"/>
+              </a:defRPr>
+            </a:lvl4pPr>
+            <a:lvl5pPr marL="2057400" indent="-228600" algn="l" rtl="0" eaLnBrk="0" fontAlgn="base" hangingPunct="0">
+              <a:spcBef>
+                <a:spcPct val="20000"/>
+              </a:spcBef>
+              <a:spcAft>
+                <a:spcPct val="0"/>
+              </a:spcAft>
+              <a:buClr>
+                <a:schemeClr val="accent1"/>
+              </a:buClr>
+              <a:buChar char="•"/>
+              <a:defRPr sz="2000">
+                <a:solidFill>
+                  <a:schemeClr val="bg1"/>
+                </a:solidFill>
+                <a:latin typeface="+mn-lt"/>
+              </a:defRPr>
+            </a:lvl5pPr>
+            <a:lvl6pPr marL="2514600" indent="-228600" algn="l" rtl="0" eaLnBrk="1" fontAlgn="base" hangingPunct="1">
+              <a:spcBef>
+                <a:spcPct val="20000"/>
+              </a:spcBef>
+              <a:spcAft>
+                <a:spcPct val="0"/>
+              </a:spcAft>
+              <a:buClr>
+                <a:schemeClr val="tx2"/>
+              </a:buClr>
+              <a:buChar char="•"/>
+              <a:defRPr>
+                <a:solidFill>
+                  <a:schemeClr val="tx1"/>
+                </a:solidFill>
+                <a:latin typeface="+mn-lt"/>
+              </a:defRPr>
+            </a:lvl6pPr>
+            <a:lvl7pPr marL="2971800" indent="-228600" algn="l" rtl="0" eaLnBrk="1" fontAlgn="base" hangingPunct="1">
+              <a:spcBef>
+                <a:spcPct val="20000"/>
+              </a:spcBef>
+              <a:spcAft>
+                <a:spcPct val="0"/>
+              </a:spcAft>
+              <a:buClr>
+                <a:schemeClr val="tx2"/>
+              </a:buClr>
+              <a:buChar char="•"/>
+              <a:defRPr>
+                <a:solidFill>
+                  <a:schemeClr val="tx1"/>
+                </a:solidFill>
+                <a:latin typeface="+mn-lt"/>
+              </a:defRPr>
+            </a:lvl7pPr>
+            <a:lvl8pPr marL="3429000" indent="-228600" algn="l" rtl="0" eaLnBrk="1" fontAlgn="base" hangingPunct="1">
+              <a:spcBef>
+                <a:spcPct val="20000"/>
+              </a:spcBef>
+              <a:spcAft>
+                <a:spcPct val="0"/>
+              </a:spcAft>
+              <a:buClr>
+                <a:schemeClr val="tx2"/>
+              </a:buClr>
+              <a:buChar char="•"/>
+              <a:defRPr>
+                <a:solidFill>
+                  <a:schemeClr val="tx1"/>
+                </a:solidFill>
+                <a:latin typeface="+mn-lt"/>
+              </a:defRPr>
+            </a:lvl8pPr>
+            <a:lvl9pPr marL="3886200" indent="-228600" algn="l" rtl="0" eaLnBrk="1" fontAlgn="base" hangingPunct="1">
+              <a:spcBef>
+                <a:spcPct val="20000"/>
+              </a:spcBef>
+              <a:spcAft>
+                <a:spcPct val="0"/>
+              </a:spcAft>
+              <a:buClr>
+                <a:schemeClr val="tx2"/>
+              </a:buClr>
+              <a:buChar char="•"/>
+              <a:defRPr>
+                <a:solidFill>
+                  <a:schemeClr val="tx1"/>
+                </a:solidFill>
+                <a:latin typeface="+mn-lt"/>
+              </a:defRPr>
+            </a:lvl9pPr>
+          </a:lstStyle>
+          <a:p>
+            <a:pPr>
+              <a:buNone/>
+            </a:pPr>
+            <a:r>
+              <a:rPr lang="en-US" sz="1800" b="1" dirty="0" smtClean="0">
+                <a:solidFill>
+                  <a:schemeClr val="accent5">
+                    <a:lumMod val="50000"/>
+                  </a:schemeClr>
+                </a:solidFill>
+                <a:latin typeface="Lucida Console" pitchFamily="49" charset="0"/>
+              </a:rPr>
+              <a:t>//F#</a:t>
+            </a:r>
+          </a:p>
+          <a:p>
+            <a:pPr>
+              <a:buNone/>
+            </a:pPr>
+            <a:r>
+              <a:rPr lang="en-AU" sz="1800" b="1" dirty="0" smtClean="0">
+                <a:solidFill>
+                  <a:schemeClr val="accent5">
+                    <a:lumMod val="50000"/>
+                  </a:schemeClr>
+                </a:solidFill>
+                <a:latin typeface="Lucida Console" pitchFamily="49" charset="0"/>
+              </a:rPr>
+              <a:t>let doubler </a:t>
+            </a:r>
+            <a:r>
+              <a:rPr lang="en-AU" sz="1800" b="1" dirty="0" err="1" smtClean="0">
+                <a:solidFill>
+                  <a:schemeClr val="accent5">
+                    <a:lumMod val="50000"/>
+                  </a:schemeClr>
+                </a:solidFill>
+                <a:latin typeface="Lucida Console" pitchFamily="49" charset="0"/>
+              </a:rPr>
+              <a:t>val</a:t>
+            </a:r>
+            <a:r>
+              <a:rPr lang="en-AU" sz="1800" b="1" dirty="0" smtClean="0">
+                <a:solidFill>
+                  <a:schemeClr val="accent5">
+                    <a:lumMod val="50000"/>
+                  </a:schemeClr>
+                </a:solidFill>
+                <a:latin typeface="Lucida Console" pitchFamily="49" charset="0"/>
+              </a:rPr>
+              <a:t> = </a:t>
+            </a:r>
+          </a:p>
+          <a:p>
+            <a:pPr>
+              <a:buNone/>
+            </a:pPr>
+            <a:r>
+              <a:rPr lang="en-AU" sz="1800" b="1" dirty="0">
+                <a:solidFill>
+                  <a:schemeClr val="accent5">
+                    <a:lumMod val="50000"/>
+                  </a:schemeClr>
+                </a:solidFill>
+                <a:latin typeface="Lucida Console" pitchFamily="49" charset="0"/>
+              </a:rPr>
+              <a:t> </a:t>
+            </a:r>
+            <a:r>
+              <a:rPr lang="en-AU" sz="1800" b="1" dirty="0" smtClean="0">
+                <a:solidFill>
+                  <a:schemeClr val="accent5">
+                    <a:lumMod val="50000"/>
+                  </a:schemeClr>
+                </a:solidFill>
+                <a:latin typeface="Lucida Console" pitchFamily="49" charset="0"/>
+              </a:rPr>
+              <a:t>   </a:t>
+            </a:r>
+            <a:r>
+              <a:rPr lang="en-AU" sz="1800" b="1" dirty="0" err="1" smtClean="0">
+                <a:solidFill>
+                  <a:schemeClr val="accent5">
+                    <a:lumMod val="50000"/>
+                  </a:schemeClr>
+                </a:solidFill>
+                <a:latin typeface="Lucida Console" pitchFamily="49" charset="0"/>
+              </a:rPr>
+              <a:t>val</a:t>
+            </a:r>
+            <a:r>
+              <a:rPr lang="en-AU" sz="1800" b="1" dirty="0" smtClean="0">
+                <a:solidFill>
+                  <a:schemeClr val="accent5">
+                    <a:lumMod val="50000"/>
+                  </a:schemeClr>
+                </a:solidFill>
+                <a:latin typeface="Lucida Console" pitchFamily="49" charset="0"/>
+              </a:rPr>
+              <a:t> + </a:t>
+            </a:r>
+            <a:r>
+              <a:rPr lang="en-AU" sz="1800" b="1" dirty="0" err="1" smtClean="0">
+                <a:solidFill>
+                  <a:schemeClr val="accent5">
+                    <a:lumMod val="50000"/>
+                  </a:schemeClr>
+                </a:solidFill>
+                <a:latin typeface="Lucida Console" pitchFamily="49" charset="0"/>
+              </a:rPr>
+              <a:t>val</a:t>
+            </a:r>
+            <a:endParaRPr lang="en-AU" sz="1800" b="1" dirty="0">
+              <a:solidFill>
+                <a:schemeClr val="accent5">
+                  <a:lumMod val="50000"/>
+                </a:schemeClr>
+              </a:solidFill>
+              <a:latin typeface="Lucida Console" pitchFamily="49" charset="0"/>
+            </a:endParaRPr>
+          </a:p>
+          <a:p>
+            <a:pPr>
+              <a:buNone/>
+            </a:pPr>
+            <a:r>
+              <a:rPr lang="en-AU" sz="1800" b="1" dirty="0" smtClean="0">
+                <a:solidFill>
+                  <a:schemeClr val="accent5">
+                    <a:lumMod val="50000"/>
+                  </a:schemeClr>
+                </a:solidFill>
+                <a:latin typeface="Lucida Console" pitchFamily="49" charset="0"/>
+              </a:rPr>
+              <a:t>Doubler 2</a:t>
+            </a:r>
+            <a:endParaRPr lang="en-US" sz="1800" b="1" dirty="0">
+              <a:solidFill>
+                <a:schemeClr val="accent5">
+                  <a:lumMod val="50000"/>
+                </a:schemeClr>
+              </a:solidFill>
+              <a:latin typeface="Lucida Console" pitchFamily="49" charset="0"/>
+            </a:endParaRPr>
+          </a:p>
+        </p:txBody>
+      </p:sp>
+      <p:sp>
+        <p:nvSpPr>
+          <p:cNvPr id="8" name="Content Placeholder 2"/>
+          <p:cNvSpPr txBox="1">
+            <a:spLocks/>
+          </p:cNvSpPr>
+          <p:nvPr/>
+        </p:nvSpPr>
+        <p:spPr>
+          <a:xfrm>
+            <a:off x="4191000" y="1676400"/>
+            <a:ext cx="5423166" cy="4978565"/>
+          </a:xfrm>
+          <a:prstGeom prst="rect">
+            <a:avLst/>
+          </a:prstGeom>
+        </p:spPr>
+        <p:txBody>
+          <a:bodyPr vert="horz" lIns="91432" tIns="45715" rIns="91432" bIns="45715" rtlCol="0">
+            <a:noAutofit/>
+          </a:bodyPr>
+          <a:lstStyle>
+            <a:defPPr>
+              <a:defRPr lang="en-US"/>
+            </a:defPPr>
+            <a:lvl1pPr algn="l" rtl="0" fontAlgn="base">
+              <a:spcBef>
+                <a:spcPct val="0"/>
+              </a:spcBef>
+              <a:spcAft>
+                <a:spcPct val="0"/>
+              </a:spcAft>
+              <a:defRPr kern="1200">
+                <a:solidFill>
+                  <a:srgbClr val="A2998A"/>
+                </a:solidFill>
+                <a:latin typeface="Segoe"/>
+                <a:ea typeface="+mn-ea"/>
+                <a:cs typeface="+mn-cs"/>
+              </a:defRPr>
+            </a:lvl1pPr>
+            <a:lvl2pPr marL="457200" algn="l" rtl="0" fontAlgn="base">
+              <a:spcBef>
+                <a:spcPct val="0"/>
+              </a:spcBef>
+              <a:spcAft>
+                <a:spcPct val="0"/>
+              </a:spcAft>
+              <a:defRPr kern="1200">
+                <a:solidFill>
+                  <a:srgbClr val="A2998A"/>
+                </a:solidFill>
+                <a:latin typeface="Segoe"/>
+                <a:ea typeface="+mn-ea"/>
+                <a:cs typeface="+mn-cs"/>
+              </a:defRPr>
+            </a:lvl2pPr>
+            <a:lvl3pPr marL="914400" algn="l" rtl="0" fontAlgn="base">
+              <a:spcBef>
+                <a:spcPct val="0"/>
+              </a:spcBef>
+              <a:spcAft>
+                <a:spcPct val="0"/>
+              </a:spcAft>
+              <a:defRPr kern="1200">
+                <a:solidFill>
+                  <a:srgbClr val="A2998A"/>
+                </a:solidFill>
+                <a:latin typeface="Segoe"/>
+                <a:ea typeface="+mn-ea"/>
+                <a:cs typeface="+mn-cs"/>
+              </a:defRPr>
+            </a:lvl3pPr>
+            <a:lvl4pPr marL="1371600" algn="l" rtl="0" fontAlgn="base">
+              <a:spcBef>
+                <a:spcPct val="0"/>
+              </a:spcBef>
+              <a:spcAft>
+                <a:spcPct val="0"/>
+              </a:spcAft>
+              <a:defRPr kern="1200">
+                <a:solidFill>
+                  <a:srgbClr val="A2998A"/>
+                </a:solidFill>
+                <a:latin typeface="Segoe"/>
+                <a:ea typeface="+mn-ea"/>
+                <a:cs typeface="+mn-cs"/>
+              </a:defRPr>
+            </a:lvl4pPr>
+            <a:lvl5pPr marL="1828800" algn="l" rtl="0" fontAlgn="base">
+              <a:spcBef>
+                <a:spcPct val="0"/>
+              </a:spcBef>
+              <a:spcAft>
+                <a:spcPct val="0"/>
+              </a:spcAft>
+              <a:defRPr kern="1200">
+                <a:solidFill>
+                  <a:srgbClr val="A2998A"/>
+                </a:solidFill>
+                <a:latin typeface="Segoe"/>
+                <a:ea typeface="+mn-ea"/>
+                <a:cs typeface="+mn-cs"/>
+              </a:defRPr>
+            </a:lvl5pPr>
+            <a:lvl6pPr marL="2286000" algn="l" defTabSz="914400" rtl="0" eaLnBrk="1" latinLnBrk="0" hangingPunct="1">
+              <a:defRPr kern="1200">
+                <a:solidFill>
+                  <a:srgbClr val="A2998A"/>
+                </a:solidFill>
+                <a:latin typeface="Segoe"/>
+                <a:ea typeface="+mn-ea"/>
+                <a:cs typeface="+mn-cs"/>
+              </a:defRPr>
+            </a:lvl6pPr>
+            <a:lvl7pPr marL="2743200" algn="l" defTabSz="914400" rtl="0" eaLnBrk="1" latinLnBrk="0" hangingPunct="1">
+              <a:defRPr kern="1200">
+                <a:solidFill>
+                  <a:srgbClr val="A2998A"/>
+                </a:solidFill>
+                <a:latin typeface="Segoe"/>
+                <a:ea typeface="+mn-ea"/>
+                <a:cs typeface="+mn-cs"/>
+              </a:defRPr>
+            </a:lvl7pPr>
+            <a:lvl8pPr marL="3200400" algn="l" defTabSz="914400" rtl="0" eaLnBrk="1" latinLnBrk="0" hangingPunct="1">
+              <a:defRPr kern="1200">
+                <a:solidFill>
+                  <a:srgbClr val="A2998A"/>
+                </a:solidFill>
+                <a:latin typeface="Segoe"/>
+                <a:ea typeface="+mn-ea"/>
+                <a:cs typeface="+mn-cs"/>
+              </a:defRPr>
+            </a:lvl8pPr>
+            <a:lvl9pPr marL="3657600" algn="l" defTabSz="914400" rtl="0" eaLnBrk="1" latinLnBrk="0" hangingPunct="1">
+              <a:defRPr kern="1200">
+                <a:solidFill>
+                  <a:srgbClr val="A2998A"/>
+                </a:solidFill>
+                <a:latin typeface="Segoe"/>
+                <a:ea typeface="+mn-ea"/>
+                <a:cs typeface="+mn-cs"/>
+              </a:defRPr>
+            </a:lvl9pPr>
+          </a:lstStyle>
+          <a:p>
+            <a:pPr marL="342871" indent="-342871">
+              <a:spcBef>
+                <a:spcPct val="20000"/>
+              </a:spcBef>
+              <a:defRPr/>
+            </a:pPr>
+            <a:r>
+              <a:rPr lang="en-US" b="1" dirty="0">
+                <a:solidFill>
+                  <a:schemeClr val="tx2">
+                    <a:lumMod val="60000"/>
+                    <a:lumOff val="40000"/>
+                  </a:schemeClr>
+                </a:solidFill>
+                <a:latin typeface="Lucida Console" pitchFamily="49" charset="0"/>
+              </a:rPr>
+              <a:t>//C#</a:t>
+            </a:r>
+          </a:p>
+          <a:p>
+            <a:r>
+              <a:rPr lang="en-US" b="1" dirty="0" err="1" smtClean="0">
+                <a:latin typeface="Lucida Console" pitchFamily="49" charset="0"/>
+              </a:rPr>
+              <a:t>Func</a:t>
+            </a:r>
+            <a:r>
+              <a:rPr lang="en-US" b="1" dirty="0" smtClean="0">
+                <a:latin typeface="Lucida Console" pitchFamily="49" charset="0"/>
+              </a:rPr>
+              <a:t>&lt;</a:t>
+            </a:r>
+            <a:r>
+              <a:rPr lang="en-US" b="1" dirty="0" err="1" smtClean="0">
+                <a:latin typeface="Lucida Console" pitchFamily="49" charset="0"/>
+              </a:rPr>
+              <a:t>int</a:t>
+            </a:r>
+            <a:r>
+              <a:rPr lang="en-US" b="1" dirty="0">
+                <a:latin typeface="Lucida Console" pitchFamily="49" charset="0"/>
+              </a:rPr>
+              <a:t>, </a:t>
+            </a:r>
+            <a:r>
+              <a:rPr lang="en-US" b="1" dirty="0" err="1">
+                <a:latin typeface="Lucida Console" pitchFamily="49" charset="0"/>
+              </a:rPr>
+              <a:t>int</a:t>
+            </a:r>
+            <a:r>
+              <a:rPr lang="en-US" b="1" dirty="0">
+                <a:latin typeface="Lucida Console" pitchFamily="49" charset="0"/>
+              </a:rPr>
+              <a:t>&gt; </a:t>
+            </a:r>
+            <a:r>
+              <a:rPr lang="en-US" b="1" dirty="0" err="1">
+                <a:latin typeface="Lucida Console" pitchFamily="49" charset="0"/>
+              </a:rPr>
+              <a:t>doubler</a:t>
+            </a:r>
+            <a:r>
+              <a:rPr lang="en-US" b="1" dirty="0">
+                <a:latin typeface="Lucida Console" pitchFamily="49" charset="0"/>
+              </a:rPr>
+              <a:t> = </a:t>
+            </a:r>
+            <a:endParaRPr lang="en-US" b="1" dirty="0" smtClean="0">
+              <a:latin typeface="Lucida Console" pitchFamily="49" charset="0"/>
+            </a:endParaRPr>
+          </a:p>
+          <a:p>
+            <a:r>
+              <a:rPr lang="en-US" b="1" dirty="0" smtClean="0">
+                <a:latin typeface="Lucida Console" pitchFamily="49" charset="0"/>
+              </a:rPr>
+              <a:t>    (</a:t>
+            </a:r>
+            <a:r>
+              <a:rPr lang="en-US" b="1" dirty="0" err="1">
+                <a:latin typeface="Lucida Console" pitchFamily="49" charset="0"/>
+              </a:rPr>
+              <a:t>val</a:t>
+            </a:r>
+            <a:r>
+              <a:rPr lang="en-US" b="1" dirty="0">
+                <a:latin typeface="Lucida Console" pitchFamily="49" charset="0"/>
+              </a:rPr>
+              <a:t>) =&gt; </a:t>
+            </a:r>
+            <a:r>
+              <a:rPr lang="en-US" b="1" dirty="0" err="1">
+                <a:latin typeface="Lucida Console" pitchFamily="49" charset="0"/>
+              </a:rPr>
+              <a:t>val</a:t>
+            </a:r>
+            <a:r>
+              <a:rPr lang="en-US" b="1" dirty="0">
+                <a:latin typeface="Lucida Console" pitchFamily="49" charset="0"/>
+              </a:rPr>
+              <a:t> + </a:t>
+            </a:r>
+            <a:r>
+              <a:rPr lang="en-US" b="1" dirty="0" err="1">
+                <a:latin typeface="Lucida Console" pitchFamily="49" charset="0"/>
+              </a:rPr>
+              <a:t>val</a:t>
+            </a:r>
+            <a:r>
+              <a:rPr lang="en-US" b="1" dirty="0">
+                <a:latin typeface="Lucida Console" pitchFamily="49" charset="0"/>
+              </a:rPr>
+              <a:t>;</a:t>
+            </a:r>
+            <a:br>
+              <a:rPr lang="en-US" b="1" dirty="0">
+                <a:latin typeface="Lucida Console" pitchFamily="49" charset="0"/>
+              </a:rPr>
+            </a:br>
+            <a:r>
+              <a:rPr lang="en-US" b="1" dirty="0" err="1" smtClean="0">
+                <a:latin typeface="Lucida Console" pitchFamily="49" charset="0"/>
+              </a:rPr>
+              <a:t>doubler</a:t>
+            </a:r>
+            <a:r>
+              <a:rPr lang="en-US" b="1" dirty="0" smtClean="0">
+                <a:latin typeface="Lucida Console" pitchFamily="49" charset="0"/>
+              </a:rPr>
+              <a:t>(2);</a:t>
+            </a:r>
+            <a:r>
+              <a:rPr lang="en-US" dirty="0">
+                <a:latin typeface="Lucida Bright" pitchFamily="18" charset="0"/>
+              </a:rPr>
+              <a:t/>
+            </a:r>
+            <a:br>
+              <a:rPr lang="en-US" dirty="0">
+                <a:latin typeface="Lucida Bright" pitchFamily="18" charset="0"/>
+              </a:rPr>
+            </a:br>
+            <a:endParaRPr lang="en-AU" b="1" dirty="0">
+              <a:solidFill>
+                <a:schemeClr val="tx2">
+                  <a:lumMod val="60000"/>
+                  <a:lumOff val="40000"/>
+                </a:schemeClr>
+              </a:solidFill>
+              <a:latin typeface="Lucida Bright" pitchFamily="18" charset="0"/>
+            </a:endParaRPr>
+          </a:p>
+        </p:txBody>
+      </p:sp>
     </p:spTree>
     <p:extLst>
       <p:ext uri="{BB962C8B-B14F-4D97-AF65-F5344CB8AC3E}">
-        <p14:creationId xmlns:p14="http://schemas.microsoft.com/office/powerpoint/2010/main" val="3577280992"/>
+        <p14:creationId xmlns:p14="http://schemas.microsoft.com/office/powerpoint/2010/main" val="2674812852"/>
       </p:ext>
     </p:extLst>
   </p:cSld>
@@ -17559,76 +20986,29 @@
             <p:ph type="title"/>
           </p:nvPr>
         </p:nvSpPr>
-        <p:spPr/>
-        <p:txBody>
-          <a:bodyPr/>
-          <a:lstStyle/>
-          <a:p>
-            <a:r>
-              <a:rPr lang="en-US" dirty="0" smtClean="0">
-                <a:solidFill>
-                  <a:schemeClr val="accent5">
-                    <a:lumMod val="50000"/>
-                  </a:schemeClr>
-                </a:solidFill>
-              </a:rPr>
-              <a:t>Whitespace Matters</a:t>
-            </a:r>
-            <a:endParaRPr lang="en-US" dirty="0"/>
-          </a:p>
-        </p:txBody>
-      </p:sp>
-      <p:sp>
-        <p:nvSpPr>
-          <p:cNvPr id="3" name="Content Placeholder 2"/>
-          <p:cNvSpPr>
-            <a:spLocks noGrp="1"/>
-          </p:cNvSpPr>
-          <p:nvPr>
-            <p:ph idx="1"/>
-          </p:nvPr>
-        </p:nvSpPr>
-        <p:spPr/>
+        <p:spPr>
+          <a:xfrm>
+            <a:off x="1043490" y="1027664"/>
+            <a:ext cx="7024744" cy="724936"/>
+          </a:xfrm>
+        </p:spPr>
         <p:txBody>
           <a:bodyPr>
             <a:normAutofit/>
           </a:bodyPr>
           <a:lstStyle/>
           <a:p>
-            <a:pPr marL="68580" indent="0">
-              <a:buNone/>
-            </a:pPr>
-            <a:r>
-              <a:rPr lang="en-US" dirty="0" smtClean="0"/>
-              <a:t>let </a:t>
-            </a:r>
-            <a:r>
-              <a:rPr lang="en-US" dirty="0" err="1" smtClean="0"/>
-              <a:t>myFunction</a:t>
-            </a:r>
-            <a:r>
-              <a:rPr lang="en-US" dirty="0" smtClean="0"/>
-              <a:t> x = </a:t>
-            </a:r>
-          </a:p>
-          <a:p>
-            <a:pPr marL="68580" indent="0">
-              <a:buNone/>
-            </a:pPr>
-            <a:r>
-              <a:rPr lang="en-US" dirty="0"/>
-              <a:t> </a:t>
-            </a:r>
-            <a:r>
-              <a:rPr lang="en-US" dirty="0" smtClean="0"/>
-              <a:t>   x + x</a:t>
-            </a:r>
-          </a:p>
-          <a:p>
-            <a:pPr marL="68580" indent="0">
-              <a:buNone/>
-            </a:pPr>
-            <a:endParaRPr lang="en-US" dirty="0" smtClean="0"/>
+            <a:r>
+              <a:rPr lang="en-US" dirty="0" smtClean="0">
+                <a:solidFill>
+                  <a:schemeClr val="accent5">
+                    <a:lumMod val="50000"/>
+                  </a:schemeClr>
+                </a:solidFill>
+              </a:rPr>
+              <a:t>Pattern Matching</a:t>
+            </a:r>
+            <a:endParaRPr lang="en-US" dirty="0"/>
           </a:p>
         </p:txBody>
       </p:sp>
@@ -17650,27 +21030,8 @@
             <a:fld id="{05A93482-8E69-40F7-BCAD-5662A6CADB27}" type="datetime4">
               <a:rPr lang="en-US" smtClean="0"/>
               <a:pPr/>
-              <a:t>October 12, 2010</a:t>
+              <a:t>October 13, 2010</a:t>
             </a:fld>
-            <a:endParaRPr lang="en-US"/>
-          </a:p>
-        </p:txBody>
-      </p:sp>
-      <p:sp>
-        <p:nvSpPr>
-          <p:cNvPr id="5" name="Footer Placeholder 4"/>
-          <p:cNvSpPr>
-            <a:spLocks noGrp="1"/>
-          </p:cNvSpPr>
-          <p:nvPr>
-            <p:ph type="ftr" sz="quarter" idx="11"/>
-          </p:nvPr>
-        </p:nvSpPr>
-        <p:spPr/>
-        <p:txBody>
-          <a:bodyPr/>
-          <a:lstStyle/>
-          <a:p>
             <a:endParaRPr lang="en-US"/>
           </a:p>
         </p:txBody>
@@ -17699,10 +21060,43 @@
           </a:p>
         </p:txBody>
       </p:sp>
+      <p:sp>
+        <p:nvSpPr>
+          <p:cNvPr id="9" name="Content Placeholder 2"/>
+          <p:cNvSpPr>
+            <a:spLocks noGrp="1"/>
+          </p:cNvSpPr>
+          <p:nvPr>
+            <p:ph idx="1"/>
+          </p:nvPr>
+        </p:nvSpPr>
+        <p:spPr>
+          <a:xfrm>
+            <a:off x="1043492" y="2323652"/>
+            <a:ext cx="6777317" cy="3508977"/>
+          </a:xfrm>
+        </p:spPr>
+        <p:txBody>
+          <a:bodyPr>
+            <a:normAutofit/>
+          </a:bodyPr>
+          <a:lstStyle/>
+          <a:p>
+            <a:pPr marL="68580" indent="0">
+              <a:buNone/>
+            </a:pPr>
+            <a:r>
+              <a:rPr lang="en-US" dirty="0" smtClean="0"/>
+              <a:t>Kind of like a switch/case statement, but so much more!</a:t>
+            </a:r>
+            <a:endParaRPr lang="en-US" dirty="0" smtClean="0"/>
+          </a:p>
+        </p:txBody>
+      </p:sp>
     </p:spTree>
     <p:extLst>
       <p:ext uri="{BB962C8B-B14F-4D97-AF65-F5344CB8AC3E}">
-        <p14:creationId xmlns:p14="http://schemas.microsoft.com/office/powerpoint/2010/main" val="370291260"/>
+        <p14:creationId xmlns:p14="http://schemas.microsoft.com/office/powerpoint/2010/main" val="3850705532"/>
       </p:ext>
     </p:extLst>
   </p:cSld>
